--- a/Prezentare.pptx
+++ b/Prezentare.pptx
@@ -4,13 +4,16 @@
   <p:sldMasterIdLst>
     <p:sldMasterId id="2147483725" r:id="rId1"/>
   </p:sldMasterIdLst>
+  <p:notesMasterIdLst>
+    <p:notesMasterId r:id="rId11"/>
+  </p:notesMasterIdLst>
   <p:sldIdLst>
     <p:sldId id="256" r:id="rId2"/>
     <p:sldId id="257" r:id="rId3"/>
     <p:sldId id="258" r:id="rId4"/>
     <p:sldId id="262" r:id="rId5"/>
-    <p:sldId id="264" r:id="rId6"/>
-    <p:sldId id="263" r:id="rId7"/>
+    <p:sldId id="263" r:id="rId6"/>
+    <p:sldId id="264" r:id="rId7"/>
     <p:sldId id="259" r:id="rId8"/>
     <p:sldId id="261" r:id="rId9"/>
     <p:sldId id="260" r:id="rId10"/>
@@ -112,7 +115,888 @@
       </a:defRPr>
     </a:lvl9pPr>
   </p:defaultTextStyle>
+  <p:extLst>
+    <p:ext uri="{EFAFB233-063F-42B5-8137-9DF3F51BA10A}">
+      <p15:sldGuideLst xmlns:p15="http://schemas.microsoft.com/office/powerpoint/2012/main"/>
+    </p:ext>
+  </p:extLst>
 </p:presentation>
+</file>
+
+<file path=ppt/notesMasters/notesMaster1.xml><?xml version="1.0" encoding="utf-8"?>
+<p:notesMaster xmlns:a="http://schemas.openxmlformats.org/drawingml/2006/main" xmlns:r="http://schemas.openxmlformats.org/officeDocument/2006/relationships" xmlns:p="http://schemas.openxmlformats.org/presentationml/2006/main">
+  <p:cSld>
+    <p:bg>
+      <p:bgRef idx="1001">
+        <a:schemeClr val="bg1"/>
+      </p:bgRef>
+    </p:bg>
+    <p:spTree>
+      <p:nvGrpSpPr>
+        <p:cNvPr id="1" name=""/>
+        <p:cNvGrpSpPr/>
+        <p:nvPr/>
+      </p:nvGrpSpPr>
+      <p:grpSpPr>
+        <a:xfrm>
+          <a:off x="0" y="0"/>
+          <a:ext cx="0" cy="0"/>
+          <a:chOff x="0" y="0"/>
+          <a:chExt cx="0" cy="0"/>
+        </a:xfrm>
+      </p:grpSpPr>
+      <p:sp>
+        <p:nvSpPr>
+          <p:cNvPr id="2" name="Header Placeholder 1"/>
+          <p:cNvSpPr>
+            <a:spLocks noGrp="1"/>
+          </p:cNvSpPr>
+          <p:nvPr>
+            <p:ph type="hdr" sz="quarter"/>
+          </p:nvPr>
+        </p:nvSpPr>
+        <p:spPr>
+          <a:xfrm>
+            <a:off x="0" y="0"/>
+            <a:ext cx="2971800" cy="458788"/>
+          </a:xfrm>
+          <a:prstGeom prst="rect">
+            <a:avLst/>
+          </a:prstGeom>
+        </p:spPr>
+        <p:txBody>
+          <a:bodyPr vert="horz" lIns="91440" tIns="45720" rIns="91440" bIns="45720" rtlCol="0"/>
+          <a:lstStyle>
+            <a:lvl1pPr algn="l">
+              <a:defRPr sz="1200"/>
+            </a:lvl1pPr>
+          </a:lstStyle>
+          <a:p>
+            <a:endParaRPr lang="ro-RO"/>
+          </a:p>
+        </p:txBody>
+      </p:sp>
+      <p:sp>
+        <p:nvSpPr>
+          <p:cNvPr id="3" name="Date Placeholder 2"/>
+          <p:cNvSpPr>
+            <a:spLocks noGrp="1"/>
+          </p:cNvSpPr>
+          <p:nvPr>
+            <p:ph type="dt" idx="1"/>
+          </p:nvPr>
+        </p:nvSpPr>
+        <p:spPr>
+          <a:xfrm>
+            <a:off x="3884613" y="0"/>
+            <a:ext cx="2971800" cy="458788"/>
+          </a:xfrm>
+          <a:prstGeom prst="rect">
+            <a:avLst/>
+          </a:prstGeom>
+        </p:spPr>
+        <p:txBody>
+          <a:bodyPr vert="horz" lIns="91440" tIns="45720" rIns="91440" bIns="45720" rtlCol="0"/>
+          <a:lstStyle>
+            <a:lvl1pPr algn="r">
+              <a:defRPr sz="1200"/>
+            </a:lvl1pPr>
+          </a:lstStyle>
+          <a:p>
+            <a:fld id="{410F7561-7E27-4374-8564-208328CCF58F}" type="datetimeFigureOut">
+              <a:rPr lang="ro-RO" smtClean="0"/>
+              <a:t>09.02.2020</a:t>
+            </a:fld>
+            <a:endParaRPr lang="ro-RO"/>
+          </a:p>
+        </p:txBody>
+      </p:sp>
+      <p:sp>
+        <p:nvSpPr>
+          <p:cNvPr id="4" name="Slide Image Placeholder 3"/>
+          <p:cNvSpPr>
+            <a:spLocks noGrp="1" noRot="1" noChangeAspect="1"/>
+          </p:cNvSpPr>
+          <p:nvPr>
+            <p:ph type="sldImg" idx="2"/>
+          </p:nvPr>
+        </p:nvSpPr>
+        <p:spPr>
+          <a:xfrm>
+            <a:off x="685800" y="1143000"/>
+            <a:ext cx="5486400" cy="3086100"/>
+          </a:xfrm>
+          <a:prstGeom prst="rect">
+            <a:avLst/>
+          </a:prstGeom>
+          <a:noFill/>
+          <a:ln w="12700">
+            <a:solidFill>
+              <a:prstClr val="black"/>
+            </a:solidFill>
+          </a:ln>
+        </p:spPr>
+        <p:txBody>
+          <a:bodyPr vert="horz" lIns="91440" tIns="45720" rIns="91440" bIns="45720" rtlCol="0" anchor="ctr"/>
+          <a:lstStyle/>
+          <a:p>
+            <a:endParaRPr lang="ro-RO"/>
+          </a:p>
+        </p:txBody>
+      </p:sp>
+      <p:sp>
+        <p:nvSpPr>
+          <p:cNvPr id="5" name="Notes Placeholder 4"/>
+          <p:cNvSpPr>
+            <a:spLocks noGrp="1"/>
+          </p:cNvSpPr>
+          <p:nvPr>
+            <p:ph type="body" sz="quarter" idx="3"/>
+          </p:nvPr>
+        </p:nvSpPr>
+        <p:spPr>
+          <a:xfrm>
+            <a:off x="685800" y="4400550"/>
+            <a:ext cx="5486400" cy="3600450"/>
+          </a:xfrm>
+          <a:prstGeom prst="rect">
+            <a:avLst/>
+          </a:prstGeom>
+        </p:spPr>
+        <p:txBody>
+          <a:bodyPr vert="horz" lIns="91440" tIns="45720" rIns="91440" bIns="45720" rtlCol="0"/>
+          <a:lstStyle/>
+          <a:p>
+            <a:pPr lvl="0"/>
+            <a:r>
+              <a:rPr lang="en-US" smtClean="0"/>
+              <a:t>Edit Master text styles</a:t>
+            </a:r>
+          </a:p>
+          <a:p>
+            <a:pPr lvl="1"/>
+            <a:r>
+              <a:rPr lang="en-US" smtClean="0"/>
+              <a:t>Second level</a:t>
+            </a:r>
+          </a:p>
+          <a:p>
+            <a:pPr lvl="2"/>
+            <a:r>
+              <a:rPr lang="en-US" smtClean="0"/>
+              <a:t>Third level</a:t>
+            </a:r>
+          </a:p>
+          <a:p>
+            <a:pPr lvl="3"/>
+            <a:r>
+              <a:rPr lang="en-US" smtClean="0"/>
+              <a:t>Fourth level</a:t>
+            </a:r>
+          </a:p>
+          <a:p>
+            <a:pPr lvl="4"/>
+            <a:r>
+              <a:rPr lang="en-US" smtClean="0"/>
+              <a:t>Fifth level</a:t>
+            </a:r>
+            <a:endParaRPr lang="ro-RO"/>
+          </a:p>
+        </p:txBody>
+      </p:sp>
+      <p:sp>
+        <p:nvSpPr>
+          <p:cNvPr id="6" name="Footer Placeholder 5"/>
+          <p:cNvSpPr>
+            <a:spLocks noGrp="1"/>
+          </p:cNvSpPr>
+          <p:nvPr>
+            <p:ph type="ftr" sz="quarter" idx="4"/>
+          </p:nvPr>
+        </p:nvSpPr>
+        <p:spPr>
+          <a:xfrm>
+            <a:off x="0" y="8685213"/>
+            <a:ext cx="2971800" cy="458787"/>
+          </a:xfrm>
+          <a:prstGeom prst="rect">
+            <a:avLst/>
+          </a:prstGeom>
+        </p:spPr>
+        <p:txBody>
+          <a:bodyPr vert="horz" lIns="91440" tIns="45720" rIns="91440" bIns="45720" rtlCol="0" anchor="b"/>
+          <a:lstStyle>
+            <a:lvl1pPr algn="l">
+              <a:defRPr sz="1200"/>
+            </a:lvl1pPr>
+          </a:lstStyle>
+          <a:p>
+            <a:endParaRPr lang="ro-RO"/>
+          </a:p>
+        </p:txBody>
+      </p:sp>
+      <p:sp>
+        <p:nvSpPr>
+          <p:cNvPr id="7" name="Slide Number Placeholder 6"/>
+          <p:cNvSpPr>
+            <a:spLocks noGrp="1"/>
+          </p:cNvSpPr>
+          <p:nvPr>
+            <p:ph type="sldNum" sz="quarter" idx="5"/>
+          </p:nvPr>
+        </p:nvSpPr>
+        <p:spPr>
+          <a:xfrm>
+            <a:off x="3884613" y="8685213"/>
+            <a:ext cx="2971800" cy="458787"/>
+          </a:xfrm>
+          <a:prstGeom prst="rect">
+            <a:avLst/>
+          </a:prstGeom>
+        </p:spPr>
+        <p:txBody>
+          <a:bodyPr vert="horz" lIns="91440" tIns="45720" rIns="91440" bIns="45720" rtlCol="0" anchor="b"/>
+          <a:lstStyle>
+            <a:lvl1pPr algn="r">
+              <a:defRPr sz="1200"/>
+            </a:lvl1pPr>
+          </a:lstStyle>
+          <a:p>
+            <a:fld id="{3DAB43A2-67F7-4CDE-8774-8EC7A86874A1}" type="slidenum">
+              <a:rPr lang="ro-RO" smtClean="0"/>
+              <a:t>‹#›</a:t>
+            </a:fld>
+            <a:endParaRPr lang="ro-RO"/>
+          </a:p>
+        </p:txBody>
+      </p:sp>
+    </p:spTree>
+    <p:extLst>
+      <p:ext uri="{BB962C8B-B14F-4D97-AF65-F5344CB8AC3E}">
+        <p14:creationId xmlns:p14="http://schemas.microsoft.com/office/powerpoint/2010/main" val="133330575"/>
+      </p:ext>
+    </p:extLst>
+  </p:cSld>
+  <p:clrMap bg1="lt1" tx1="dk1" bg2="lt2" tx2="dk2" accent1="accent1" accent2="accent2" accent3="accent3" accent4="accent4" accent5="accent5" accent6="accent6" hlink="hlink" folHlink="folHlink"/>
+  <p:notesStyle>
+    <a:lvl1pPr marL="0" algn="l" defTabSz="914400" rtl="0" eaLnBrk="1" latinLnBrk="0" hangingPunct="1">
+      <a:defRPr sz="1200" kern="1200">
+        <a:solidFill>
+          <a:schemeClr val="tx1"/>
+        </a:solidFill>
+        <a:latin typeface="+mn-lt"/>
+        <a:ea typeface="+mn-ea"/>
+        <a:cs typeface="+mn-cs"/>
+      </a:defRPr>
+    </a:lvl1pPr>
+    <a:lvl2pPr marL="457200" algn="l" defTabSz="914400" rtl="0" eaLnBrk="1" latinLnBrk="0" hangingPunct="1">
+      <a:defRPr sz="1200" kern="1200">
+        <a:solidFill>
+          <a:schemeClr val="tx1"/>
+        </a:solidFill>
+        <a:latin typeface="+mn-lt"/>
+        <a:ea typeface="+mn-ea"/>
+        <a:cs typeface="+mn-cs"/>
+      </a:defRPr>
+    </a:lvl2pPr>
+    <a:lvl3pPr marL="914400" algn="l" defTabSz="914400" rtl="0" eaLnBrk="1" latinLnBrk="0" hangingPunct="1">
+      <a:defRPr sz="1200" kern="1200">
+        <a:solidFill>
+          <a:schemeClr val="tx1"/>
+        </a:solidFill>
+        <a:latin typeface="+mn-lt"/>
+        <a:ea typeface="+mn-ea"/>
+        <a:cs typeface="+mn-cs"/>
+      </a:defRPr>
+    </a:lvl3pPr>
+    <a:lvl4pPr marL="1371600" algn="l" defTabSz="914400" rtl="0" eaLnBrk="1" latinLnBrk="0" hangingPunct="1">
+      <a:defRPr sz="1200" kern="1200">
+        <a:solidFill>
+          <a:schemeClr val="tx1"/>
+        </a:solidFill>
+        <a:latin typeface="+mn-lt"/>
+        <a:ea typeface="+mn-ea"/>
+        <a:cs typeface="+mn-cs"/>
+      </a:defRPr>
+    </a:lvl4pPr>
+    <a:lvl5pPr marL="1828800" algn="l" defTabSz="914400" rtl="0" eaLnBrk="1" latinLnBrk="0" hangingPunct="1">
+      <a:defRPr sz="1200" kern="1200">
+        <a:solidFill>
+          <a:schemeClr val="tx1"/>
+        </a:solidFill>
+        <a:latin typeface="+mn-lt"/>
+        <a:ea typeface="+mn-ea"/>
+        <a:cs typeface="+mn-cs"/>
+      </a:defRPr>
+    </a:lvl5pPr>
+    <a:lvl6pPr marL="2286000" algn="l" defTabSz="914400" rtl="0" eaLnBrk="1" latinLnBrk="0" hangingPunct="1">
+      <a:defRPr sz="1200" kern="1200">
+        <a:solidFill>
+          <a:schemeClr val="tx1"/>
+        </a:solidFill>
+        <a:latin typeface="+mn-lt"/>
+        <a:ea typeface="+mn-ea"/>
+        <a:cs typeface="+mn-cs"/>
+      </a:defRPr>
+    </a:lvl6pPr>
+    <a:lvl7pPr marL="2743200" algn="l" defTabSz="914400" rtl="0" eaLnBrk="1" latinLnBrk="0" hangingPunct="1">
+      <a:defRPr sz="1200" kern="1200">
+        <a:solidFill>
+          <a:schemeClr val="tx1"/>
+        </a:solidFill>
+        <a:latin typeface="+mn-lt"/>
+        <a:ea typeface="+mn-ea"/>
+        <a:cs typeface="+mn-cs"/>
+      </a:defRPr>
+    </a:lvl7pPr>
+    <a:lvl8pPr marL="3200400" algn="l" defTabSz="914400" rtl="0" eaLnBrk="1" latinLnBrk="0" hangingPunct="1">
+      <a:defRPr sz="1200" kern="1200">
+        <a:solidFill>
+          <a:schemeClr val="tx1"/>
+        </a:solidFill>
+        <a:latin typeface="+mn-lt"/>
+        <a:ea typeface="+mn-ea"/>
+        <a:cs typeface="+mn-cs"/>
+      </a:defRPr>
+    </a:lvl8pPr>
+    <a:lvl9pPr marL="3657600" algn="l" defTabSz="914400" rtl="0" eaLnBrk="1" latinLnBrk="0" hangingPunct="1">
+      <a:defRPr sz="1200" kern="1200">
+        <a:solidFill>
+          <a:schemeClr val="tx1"/>
+        </a:solidFill>
+        <a:latin typeface="+mn-lt"/>
+        <a:ea typeface="+mn-ea"/>
+        <a:cs typeface="+mn-cs"/>
+      </a:defRPr>
+    </a:lvl9pPr>
+  </p:notesStyle>
+</p:notesMaster>
+</file>
+
+<file path=ppt/notesSlides/notesSlide1.xml><?xml version="1.0" encoding="utf-8"?>
+<p:notes xmlns:a="http://schemas.openxmlformats.org/drawingml/2006/main" xmlns:r="http://schemas.openxmlformats.org/officeDocument/2006/relationships" xmlns:p="http://schemas.openxmlformats.org/presentationml/2006/main">
+  <p:cSld>
+    <p:spTree>
+      <p:nvGrpSpPr>
+        <p:cNvPr id="1" name=""/>
+        <p:cNvGrpSpPr/>
+        <p:nvPr/>
+      </p:nvGrpSpPr>
+      <p:grpSpPr>
+        <a:xfrm>
+          <a:off x="0" y="0"/>
+          <a:ext cx="0" cy="0"/>
+          <a:chOff x="0" y="0"/>
+          <a:chExt cx="0" cy="0"/>
+        </a:xfrm>
+      </p:grpSpPr>
+      <p:sp>
+        <p:nvSpPr>
+          <p:cNvPr id="2" name="Slide Image Placeholder 1"/>
+          <p:cNvSpPr>
+            <a:spLocks noGrp="1" noRot="1" noChangeAspect="1"/>
+          </p:cNvSpPr>
+          <p:nvPr>
+            <p:ph type="sldImg"/>
+          </p:nvPr>
+        </p:nvSpPr>
+        <p:spPr/>
+      </p:sp>
+      <p:sp>
+        <p:nvSpPr>
+          <p:cNvPr id="3" name="Notes Placeholder 2"/>
+          <p:cNvSpPr>
+            <a:spLocks noGrp="1"/>
+          </p:cNvSpPr>
+          <p:nvPr>
+            <p:ph type="body" idx="1"/>
+          </p:nvPr>
+        </p:nvSpPr>
+        <p:spPr/>
+        <p:txBody>
+          <a:bodyPr/>
+          <a:lstStyle/>
+          <a:p>
+            <a:pPr marL="228600" indent="-228600">
+              <a:buAutoNum type="arabicParenR"/>
+            </a:pPr>
+            <a:r>
+              <a:rPr lang="ro-RO" dirty="0" smtClean="0"/>
+              <a:t>Aproape</a:t>
+            </a:r>
+            <a:r>
+              <a:rPr lang="ro-RO" baseline="0" dirty="0" smtClean="0"/>
+              <a:t> mereu cand luam masina dintr-un service vom gasi cel putin un lucru de care nu suntem multumiti, asta se intampla deoarece in momentul in care alegem un service nu stim care sunt toate optiunile disponibile, de asemenea nu stim nici calitatea serviciilor oferite.</a:t>
+            </a:r>
+          </a:p>
+          <a:p>
+            <a:pPr marL="228600" indent="-228600">
+              <a:buAutoNum type="arabicParenR"/>
+            </a:pPr>
+            <a:r>
+              <a:rPr lang="ro-RO" dirty="0" smtClean="0"/>
+              <a:t>Un</a:t>
+            </a:r>
+            <a:r>
+              <a:rPr lang="ro-RO" baseline="0" dirty="0" smtClean="0"/>
+              <a:t> alt motiv ar fi nevoia de a gasi un service intr-o zona necunoscuta. De exemplu, in timpul unei vacante sau calatorii se poate strica masina si sa fim intr-o zona complet necunoscuta, iar in aceste momente avem mare nevoie de un service cat mai apropiat.</a:t>
+            </a:r>
+          </a:p>
+          <a:p>
+            <a:pPr marL="228600" indent="-228600">
+              <a:buAutoNum type="arabicParenR"/>
+            </a:pPr>
+            <a:r>
+              <a:rPr lang="ro-RO" baseline="0" dirty="0" smtClean="0"/>
+              <a:t>Al treilea motiv ar fi necesitatea de a simplifica lucrurile. In general cand vine momentul sa schimbam anvelopele sau trebuie sa facem revizia masini fie mergem personal la un service si ne programam fie dam o gramada de telefoane pentru a ne programa la data dorita de noi. Cu ajutorul functiilor de programare si cere de ofertă din aplicatie, utilizatorul se poate programa sau poate cere o oferta foarte simplu si rapid, fara a mai pierde timp pe vizite la service-uri sau pe apeluri telefonice. </a:t>
+            </a:r>
+          </a:p>
+          <a:p>
+            <a:pPr marL="0" indent="0">
+              <a:buNone/>
+            </a:pPr>
+            <a:r>
+              <a:rPr lang="ro-RO" baseline="0" dirty="0" smtClean="0"/>
+              <a:t>-poate vrei sa te programezi la un service la o anumita ora, nu vei sti daca e liber pana nu suni, in app vei vedea direct </a:t>
+            </a:r>
+          </a:p>
+          <a:p>
+            <a:pPr marL="228600" indent="-228600">
+              <a:buAutoNum type="arabicParenR"/>
+            </a:pPr>
+            <a:endParaRPr lang="ro-RO" baseline="0" dirty="0" smtClean="0"/>
+          </a:p>
+          <a:p>
+            <a:pPr marL="228600" indent="-228600">
+              <a:buAutoNum type="arabicParenR"/>
+            </a:pPr>
+            <a:endParaRPr lang="ro-RO" dirty="0"/>
+          </a:p>
+        </p:txBody>
+      </p:sp>
+      <p:sp>
+        <p:nvSpPr>
+          <p:cNvPr id="4" name="Slide Number Placeholder 3"/>
+          <p:cNvSpPr>
+            <a:spLocks noGrp="1"/>
+          </p:cNvSpPr>
+          <p:nvPr>
+            <p:ph type="sldNum" sz="quarter" idx="10"/>
+          </p:nvPr>
+        </p:nvSpPr>
+        <p:spPr/>
+        <p:txBody>
+          <a:bodyPr/>
+          <a:lstStyle/>
+          <a:p>
+            <a:fld id="{3DAB43A2-67F7-4CDE-8774-8EC7A86874A1}" type="slidenum">
+              <a:rPr lang="ro-RO" smtClean="0"/>
+              <a:t>3</a:t>
+            </a:fld>
+            <a:endParaRPr lang="ro-RO"/>
+          </a:p>
+        </p:txBody>
+      </p:sp>
+    </p:spTree>
+    <p:extLst>
+      <p:ext uri="{BB962C8B-B14F-4D97-AF65-F5344CB8AC3E}">
+        <p14:creationId xmlns:p14="http://schemas.microsoft.com/office/powerpoint/2010/main" val="2867415483"/>
+      </p:ext>
+    </p:extLst>
+  </p:cSld>
+  <p:clrMapOvr>
+    <a:masterClrMapping/>
+  </p:clrMapOvr>
+</p:notes>
+</file>
+
+<file path=ppt/notesSlides/notesSlide2.xml><?xml version="1.0" encoding="utf-8"?>
+<p:notes xmlns:a="http://schemas.openxmlformats.org/drawingml/2006/main" xmlns:r="http://schemas.openxmlformats.org/officeDocument/2006/relationships" xmlns:p="http://schemas.openxmlformats.org/presentationml/2006/main">
+  <p:cSld>
+    <p:spTree>
+      <p:nvGrpSpPr>
+        <p:cNvPr id="1" name=""/>
+        <p:cNvGrpSpPr/>
+        <p:nvPr/>
+      </p:nvGrpSpPr>
+      <p:grpSpPr>
+        <a:xfrm>
+          <a:off x="0" y="0"/>
+          <a:ext cx="0" cy="0"/>
+          <a:chOff x="0" y="0"/>
+          <a:chExt cx="0" cy="0"/>
+        </a:xfrm>
+      </p:grpSpPr>
+      <p:sp>
+        <p:nvSpPr>
+          <p:cNvPr id="2" name="Slide Image Placeholder 1"/>
+          <p:cNvSpPr>
+            <a:spLocks noGrp="1" noRot="1" noChangeAspect="1"/>
+          </p:cNvSpPr>
+          <p:nvPr>
+            <p:ph type="sldImg"/>
+          </p:nvPr>
+        </p:nvSpPr>
+        <p:spPr/>
+      </p:sp>
+      <p:sp>
+        <p:nvSpPr>
+          <p:cNvPr id="3" name="Notes Placeholder 2"/>
+          <p:cNvSpPr>
+            <a:spLocks noGrp="1"/>
+          </p:cNvSpPr>
+          <p:nvPr>
+            <p:ph type="body" idx="1"/>
+          </p:nvPr>
+        </p:nvSpPr>
+        <p:spPr/>
+        <p:txBody>
+          <a:bodyPr/>
+          <a:lstStyle/>
+          <a:p>
+            <a:r>
+              <a:rPr lang="ro-RO" dirty="0" smtClean="0"/>
+              <a:t>Doua exemple de aplicatii ce </a:t>
+            </a:r>
+            <a:r>
+              <a:rPr lang="ro-RO" dirty="0" smtClean="0"/>
+              <a:t>oferă servicii similare cu ServiceFinder.</a:t>
+            </a:r>
+          </a:p>
+          <a:p>
+            <a:pPr marL="0" indent="0">
+              <a:buNone/>
+            </a:pPr>
+            <a:r>
+              <a:rPr lang="ro-RO" baseline="0" dirty="0" smtClean="0"/>
+              <a:t>1) Cylex este un site web:</a:t>
+            </a:r>
+          </a:p>
+          <a:p>
+            <a:pPr marL="0" indent="0">
+              <a:buNone/>
+            </a:pPr>
+            <a:r>
+              <a:rPr lang="ro-RO" baseline="0" dirty="0" smtClean="0"/>
+              <a:t>-ofera o lista de firme printre care si service-uri auto.</a:t>
+            </a:r>
+          </a:p>
+          <a:p>
+            <a:pPr marL="0" indent="0">
+              <a:buNone/>
+            </a:pPr>
+            <a:r>
+              <a:rPr lang="ro-RO" baseline="0" dirty="0" smtClean="0"/>
+              <a:t>-poti afla detalii despre acea firma</a:t>
+            </a:r>
+          </a:p>
+          <a:p>
+            <a:pPr marL="0" indent="0">
+              <a:buNone/>
+            </a:pPr>
+            <a:r>
+              <a:rPr lang="ro-RO" baseline="0" dirty="0" smtClean="0"/>
+              <a:t>-poti da un comentariu</a:t>
+            </a:r>
+          </a:p>
+          <a:p>
+            <a:pPr marL="0" indent="0">
+              <a:buNone/>
+            </a:pPr>
+            <a:r>
+              <a:rPr lang="ro-RO" baseline="0" dirty="0" smtClean="0"/>
+              <a:t>2) Auto.ro este un site web:</a:t>
+            </a:r>
+          </a:p>
+          <a:p>
+            <a:pPr marL="0" indent="0">
+              <a:buNone/>
+            </a:pPr>
+            <a:r>
+              <a:rPr lang="ro-RO" baseline="0" dirty="0" smtClean="0"/>
+              <a:t>-ofera lista de service-uri auto</a:t>
+            </a:r>
+          </a:p>
+          <a:p>
+            <a:pPr marL="0" indent="0">
+              <a:buNone/>
+            </a:pPr>
+            <a:r>
+              <a:rPr lang="ro-RO" baseline="0" dirty="0" smtClean="0"/>
+              <a:t>-poti vedea detalii</a:t>
+            </a:r>
+          </a:p>
+          <a:p>
+            <a:pPr marL="0" indent="0">
+              <a:buNone/>
+            </a:pPr>
+            <a:r>
+              <a:rPr lang="ro-RO" baseline="0" dirty="0" smtClean="0"/>
+              <a:t>-diferite parcuri auto de unde utilizatorii pot sa-si cumpere o masina</a:t>
+            </a:r>
+          </a:p>
+          <a:p>
+            <a:pPr marL="0" indent="0">
+              <a:buNone/>
+            </a:pPr>
+            <a:r>
+              <a:rPr lang="ro-RO" baseline="0" dirty="0" smtClean="0"/>
+              <a:t>-diferite magazine de unde isi pot cumpara piese auto si anvelope</a:t>
+            </a:r>
+          </a:p>
+          <a:p>
+            <a:pPr marL="0" indent="0">
+              <a:buNone/>
+            </a:pPr>
+            <a:r>
+              <a:rPr lang="ro-RO" baseline="0" dirty="0" smtClean="0"/>
+              <a:t>-se pot da comentarii</a:t>
+            </a:r>
+            <a:endParaRPr lang="ro-RO" dirty="0"/>
+          </a:p>
+        </p:txBody>
+      </p:sp>
+      <p:sp>
+        <p:nvSpPr>
+          <p:cNvPr id="4" name="Slide Number Placeholder 3"/>
+          <p:cNvSpPr>
+            <a:spLocks noGrp="1"/>
+          </p:cNvSpPr>
+          <p:nvPr>
+            <p:ph type="sldNum" sz="quarter" idx="10"/>
+          </p:nvPr>
+        </p:nvSpPr>
+        <p:spPr/>
+        <p:txBody>
+          <a:bodyPr/>
+          <a:lstStyle/>
+          <a:p>
+            <a:fld id="{3DAB43A2-67F7-4CDE-8774-8EC7A86874A1}" type="slidenum">
+              <a:rPr lang="ro-RO" smtClean="0"/>
+              <a:t>4</a:t>
+            </a:fld>
+            <a:endParaRPr lang="ro-RO"/>
+          </a:p>
+        </p:txBody>
+      </p:sp>
+    </p:spTree>
+    <p:extLst>
+      <p:ext uri="{BB962C8B-B14F-4D97-AF65-F5344CB8AC3E}">
+        <p14:creationId xmlns:p14="http://schemas.microsoft.com/office/powerpoint/2010/main" val="2347011031"/>
+      </p:ext>
+    </p:extLst>
+  </p:cSld>
+  <p:clrMapOvr>
+    <a:masterClrMapping/>
+  </p:clrMapOvr>
+</p:notes>
+</file>
+
+<file path=ppt/notesSlides/notesSlide3.xml><?xml version="1.0" encoding="utf-8"?>
+<p:notes xmlns:a="http://schemas.openxmlformats.org/drawingml/2006/main" xmlns:r="http://schemas.openxmlformats.org/officeDocument/2006/relationships" xmlns:p="http://schemas.openxmlformats.org/presentationml/2006/main">
+  <p:cSld>
+    <p:spTree>
+      <p:nvGrpSpPr>
+        <p:cNvPr id="1" name=""/>
+        <p:cNvGrpSpPr/>
+        <p:nvPr/>
+      </p:nvGrpSpPr>
+      <p:grpSpPr>
+        <a:xfrm>
+          <a:off x="0" y="0"/>
+          <a:ext cx="0" cy="0"/>
+          <a:chOff x="0" y="0"/>
+          <a:chExt cx="0" cy="0"/>
+        </a:xfrm>
+      </p:grpSpPr>
+      <p:sp>
+        <p:nvSpPr>
+          <p:cNvPr id="2" name="Slide Image Placeholder 1"/>
+          <p:cNvSpPr>
+            <a:spLocks noGrp="1" noRot="1" noChangeAspect="1"/>
+          </p:cNvSpPr>
+          <p:nvPr>
+            <p:ph type="sldImg"/>
+          </p:nvPr>
+        </p:nvSpPr>
+        <p:spPr/>
+      </p:sp>
+      <p:sp>
+        <p:nvSpPr>
+          <p:cNvPr id="3" name="Notes Placeholder 2"/>
+          <p:cNvSpPr>
+            <a:spLocks noGrp="1"/>
+          </p:cNvSpPr>
+          <p:nvPr>
+            <p:ph type="body" idx="1"/>
+          </p:nvPr>
+        </p:nvSpPr>
+        <p:spPr/>
+        <p:txBody>
+          <a:bodyPr/>
+          <a:lstStyle/>
+          <a:p>
+            <a:r>
+              <a:rPr lang="ro-RO" dirty="0" smtClean="0"/>
+              <a:t>4) Atat utilizatorul cat si service-ul</a:t>
+            </a:r>
+            <a:r>
+              <a:rPr lang="ro-RO" baseline="0" dirty="0" smtClean="0"/>
+              <a:t> vor putea vedea cererile si programarile.</a:t>
+            </a:r>
+            <a:endParaRPr lang="ro-RO" dirty="0"/>
+          </a:p>
+        </p:txBody>
+      </p:sp>
+      <p:sp>
+        <p:nvSpPr>
+          <p:cNvPr id="4" name="Slide Number Placeholder 3"/>
+          <p:cNvSpPr>
+            <a:spLocks noGrp="1"/>
+          </p:cNvSpPr>
+          <p:nvPr>
+            <p:ph type="sldNum" sz="quarter" idx="10"/>
+          </p:nvPr>
+        </p:nvSpPr>
+        <p:spPr/>
+        <p:txBody>
+          <a:bodyPr/>
+          <a:lstStyle/>
+          <a:p>
+            <a:fld id="{3DAB43A2-67F7-4CDE-8774-8EC7A86874A1}" type="slidenum">
+              <a:rPr lang="ro-RO" smtClean="0"/>
+              <a:t>5</a:t>
+            </a:fld>
+            <a:endParaRPr lang="ro-RO"/>
+          </a:p>
+        </p:txBody>
+      </p:sp>
+    </p:spTree>
+    <p:extLst>
+      <p:ext uri="{BB962C8B-B14F-4D97-AF65-F5344CB8AC3E}">
+        <p14:creationId xmlns:p14="http://schemas.microsoft.com/office/powerpoint/2010/main" val="4183726591"/>
+      </p:ext>
+    </p:extLst>
+  </p:cSld>
+  <p:clrMapOvr>
+    <a:masterClrMapping/>
+  </p:clrMapOvr>
+</p:notes>
+</file>
+
+<file path=ppt/notesSlides/notesSlide4.xml><?xml version="1.0" encoding="utf-8"?>
+<p:notes xmlns:a="http://schemas.openxmlformats.org/drawingml/2006/main" xmlns:r="http://schemas.openxmlformats.org/officeDocument/2006/relationships" xmlns:p="http://schemas.openxmlformats.org/presentationml/2006/main">
+  <p:cSld>
+    <p:spTree>
+      <p:nvGrpSpPr>
+        <p:cNvPr id="1" name=""/>
+        <p:cNvGrpSpPr/>
+        <p:nvPr/>
+      </p:nvGrpSpPr>
+      <p:grpSpPr>
+        <a:xfrm>
+          <a:off x="0" y="0"/>
+          <a:ext cx="0" cy="0"/>
+          <a:chOff x="0" y="0"/>
+          <a:chExt cx="0" cy="0"/>
+        </a:xfrm>
+      </p:grpSpPr>
+      <p:sp>
+        <p:nvSpPr>
+          <p:cNvPr id="2" name="Slide Image Placeholder 1"/>
+          <p:cNvSpPr>
+            <a:spLocks noGrp="1" noRot="1" noChangeAspect="1"/>
+          </p:cNvSpPr>
+          <p:nvPr>
+            <p:ph type="sldImg"/>
+          </p:nvPr>
+        </p:nvSpPr>
+        <p:spPr/>
+      </p:sp>
+      <p:sp>
+        <p:nvSpPr>
+          <p:cNvPr id="3" name="Notes Placeholder 2"/>
+          <p:cNvSpPr>
+            <a:spLocks noGrp="1"/>
+          </p:cNvSpPr>
+          <p:nvPr>
+            <p:ph type="body" idx="1"/>
+          </p:nvPr>
+        </p:nvSpPr>
+        <p:spPr/>
+        <p:txBody>
+          <a:bodyPr/>
+          <a:lstStyle/>
+          <a:p>
+            <a:r>
+              <a:rPr lang="ro-RO" dirty="0" smtClean="0"/>
+              <a:t>1) Multe persoane detin o masina, poate chiar mai</a:t>
+            </a:r>
+            <a:r>
+              <a:rPr lang="ro-RO" baseline="0" dirty="0" smtClean="0"/>
+              <a:t> multe; masin vechi in romania, mai mult de o vizita pe an la un service=&gt; multi soferi cauta un service auto =&gt; multi utilizatori ai aplicatiei</a:t>
+            </a:r>
+            <a:endParaRPr lang="ro-RO" dirty="0" smtClean="0"/>
+          </a:p>
+          <a:p>
+            <a:r>
+              <a:rPr lang="ro-RO" dirty="0" smtClean="0"/>
+              <a:t>2) Cat mai multe service-uri intr-un loc =&gt;</a:t>
+            </a:r>
+            <a:r>
+              <a:rPr lang="ro-RO" baseline="0" dirty="0" smtClean="0"/>
+              <a:t> realizare unei comparatii intre 2 service-uri mai usoara</a:t>
+            </a:r>
+          </a:p>
+          <a:p>
+            <a:r>
+              <a:rPr lang="ro-RO" baseline="0" dirty="0" smtClean="0"/>
+              <a:t>3) Prin intermediul parerilor date de alti utilizatori</a:t>
+            </a:r>
+          </a:p>
+          <a:p>
+            <a:r>
+              <a:rPr lang="ro-RO" baseline="0" dirty="0" smtClean="0"/>
+              <a:t>4) Este foarte simplu sa te programezi sau sa ceri o oferta dupa cum s-a vazut in demo</a:t>
+            </a:r>
+            <a:endParaRPr lang="ro-RO" dirty="0"/>
+          </a:p>
+        </p:txBody>
+      </p:sp>
+      <p:sp>
+        <p:nvSpPr>
+          <p:cNvPr id="4" name="Slide Number Placeholder 3"/>
+          <p:cNvSpPr>
+            <a:spLocks noGrp="1"/>
+          </p:cNvSpPr>
+          <p:nvPr>
+            <p:ph type="sldNum" sz="quarter" idx="10"/>
+          </p:nvPr>
+        </p:nvSpPr>
+        <p:spPr/>
+        <p:txBody>
+          <a:bodyPr/>
+          <a:lstStyle/>
+          <a:p>
+            <a:fld id="{3DAB43A2-67F7-4CDE-8774-8EC7A86874A1}" type="slidenum">
+              <a:rPr lang="ro-RO" smtClean="0"/>
+              <a:t>8</a:t>
+            </a:fld>
+            <a:endParaRPr lang="ro-RO"/>
+          </a:p>
+        </p:txBody>
+      </p:sp>
+    </p:spTree>
+    <p:extLst>
+      <p:ext uri="{BB962C8B-B14F-4D97-AF65-F5344CB8AC3E}">
+        <p14:creationId xmlns:p14="http://schemas.microsoft.com/office/powerpoint/2010/main" val="2310114845"/>
+      </p:ext>
+    </p:extLst>
+  </p:cSld>
+  <p:clrMapOvr>
+    <a:masterClrMapping/>
+  </p:clrMapOvr>
+</p:notes>
 </file>
 
 <file path=ppt/slideLayouts/slideLayout1.xml><?xml version="1.0" encoding="utf-8"?>
@@ -617,7 +1501,7 @@
           <a:p>
             <a:fld id="{FCCDAA21-5CB3-4329-AFD7-682FAFA3C740}" type="datetimeFigureOut">
               <a:rPr lang="ro-RO" smtClean="0"/>
-              <a:t>06.02.2020</a:t>
+              <a:t>09.02.2020</a:t>
             </a:fld>
             <a:endParaRPr lang="ro-RO"/>
           </a:p>
@@ -913,7 +1797,7 @@
           <a:p>
             <a:fld id="{FCCDAA21-5CB3-4329-AFD7-682FAFA3C740}" type="datetimeFigureOut">
               <a:rPr lang="ro-RO" smtClean="0"/>
-              <a:t>06.02.2020</a:t>
+              <a:t>09.02.2020</a:t>
             </a:fld>
             <a:endParaRPr lang="ro-RO"/>
           </a:p>
@@ -1161,7 +2045,7 @@
           <a:p>
             <a:fld id="{FCCDAA21-5CB3-4329-AFD7-682FAFA3C740}" type="datetimeFigureOut">
               <a:rPr lang="ro-RO" smtClean="0"/>
-              <a:t>06.02.2020</a:t>
+              <a:t>09.02.2020</a:t>
             </a:fld>
             <a:endParaRPr lang="ro-RO"/>
           </a:p>
@@ -1701,7 +2585,7 @@
           <a:p>
             <a:fld id="{FCCDAA21-5CB3-4329-AFD7-682FAFA3C740}" type="datetimeFigureOut">
               <a:rPr lang="ro-RO" smtClean="0"/>
-              <a:t>06.02.2020</a:t>
+              <a:t>09.02.2020</a:t>
             </a:fld>
             <a:endParaRPr lang="ro-RO"/>
           </a:p>
@@ -1949,7 +2833,7 @@
           <a:p>
             <a:fld id="{FCCDAA21-5CB3-4329-AFD7-682FAFA3C740}" type="datetimeFigureOut">
               <a:rPr lang="ro-RO" smtClean="0"/>
-              <a:t>06.02.2020</a:t>
+              <a:t>09.02.2020</a:t>
             </a:fld>
             <a:endParaRPr lang="ro-RO"/>
           </a:p>
@@ -2481,7 +3365,7 @@
           <a:p>
             <a:fld id="{FCCDAA21-5CB3-4329-AFD7-682FAFA3C740}" type="datetimeFigureOut">
               <a:rPr lang="ro-RO" smtClean="0"/>
-              <a:t>06.02.2020</a:t>
+              <a:t>09.02.2020</a:t>
             </a:fld>
             <a:endParaRPr lang="ro-RO"/>
           </a:p>
@@ -2778,7 +3662,7 @@
           <a:p>
             <a:fld id="{FCCDAA21-5CB3-4329-AFD7-682FAFA3C740}" type="datetimeFigureOut">
               <a:rPr lang="ro-RO" smtClean="0"/>
-              <a:t>06.02.2020</a:t>
+              <a:t>09.02.2020</a:t>
             </a:fld>
             <a:endParaRPr lang="ro-RO"/>
           </a:p>
@@ -2952,7 +3836,7 @@
           <a:p>
             <a:fld id="{FCCDAA21-5CB3-4329-AFD7-682FAFA3C740}" type="datetimeFigureOut">
               <a:rPr lang="ro-RO" smtClean="0"/>
-              <a:t>06.02.2020</a:t>
+              <a:t>09.02.2020</a:t>
             </a:fld>
             <a:endParaRPr lang="ro-RO"/>
           </a:p>
@@ -3132,7 +4016,7 @@
           <a:p>
             <a:fld id="{FCCDAA21-5CB3-4329-AFD7-682FAFA3C740}" type="datetimeFigureOut">
               <a:rPr lang="ro-RO" smtClean="0"/>
-              <a:t>06.02.2020</a:t>
+              <a:t>09.02.2020</a:t>
             </a:fld>
             <a:endParaRPr lang="ro-RO"/>
           </a:p>
@@ -3302,7 +4186,7 @@
           <a:p>
             <a:fld id="{FCCDAA21-5CB3-4329-AFD7-682FAFA3C740}" type="datetimeFigureOut">
               <a:rPr lang="ro-RO" smtClean="0"/>
-              <a:t>06.02.2020</a:t>
+              <a:t>09.02.2020</a:t>
             </a:fld>
             <a:endParaRPr lang="ro-RO"/>
           </a:p>
@@ -3553,7 +4437,7 @@
           <a:p>
             <a:fld id="{FCCDAA21-5CB3-4329-AFD7-682FAFA3C740}" type="datetimeFigureOut">
               <a:rPr lang="ro-RO" smtClean="0"/>
-              <a:t>06.02.2020</a:t>
+              <a:t>09.02.2020</a:t>
             </a:fld>
             <a:endParaRPr lang="ro-RO"/>
           </a:p>
@@ -3850,7 +4734,7 @@
           <a:p>
             <a:fld id="{FCCDAA21-5CB3-4329-AFD7-682FAFA3C740}" type="datetimeFigureOut">
               <a:rPr lang="ro-RO" smtClean="0"/>
-              <a:t>06.02.2020</a:t>
+              <a:t>09.02.2020</a:t>
             </a:fld>
             <a:endParaRPr lang="ro-RO"/>
           </a:p>
@@ -4292,7 +5176,7 @@
           <a:p>
             <a:fld id="{FCCDAA21-5CB3-4329-AFD7-682FAFA3C740}" type="datetimeFigureOut">
               <a:rPr lang="ro-RO" smtClean="0"/>
-              <a:t>06.02.2020</a:t>
+              <a:t>09.02.2020</a:t>
             </a:fld>
             <a:endParaRPr lang="ro-RO"/>
           </a:p>
@@ -4410,7 +5294,7 @@
           <a:p>
             <a:fld id="{FCCDAA21-5CB3-4329-AFD7-682FAFA3C740}" type="datetimeFigureOut">
               <a:rPr lang="ro-RO" smtClean="0"/>
-              <a:t>06.02.2020</a:t>
+              <a:t>09.02.2020</a:t>
             </a:fld>
             <a:endParaRPr lang="ro-RO"/>
           </a:p>
@@ -4505,7 +5389,7 @@
           <a:p>
             <a:fld id="{FCCDAA21-5CB3-4329-AFD7-682FAFA3C740}" type="datetimeFigureOut">
               <a:rPr lang="ro-RO" smtClean="0"/>
-              <a:t>06.02.2020</a:t>
+              <a:t>09.02.2020</a:t>
             </a:fld>
             <a:endParaRPr lang="ro-RO"/>
           </a:p>
@@ -4788,7 +5672,7 @@
           <a:p>
             <a:fld id="{FCCDAA21-5CB3-4329-AFD7-682FAFA3C740}" type="datetimeFigureOut">
               <a:rPr lang="ro-RO" smtClean="0"/>
-              <a:t>06.02.2020</a:t>
+              <a:t>09.02.2020</a:t>
             </a:fld>
             <a:endParaRPr lang="ro-RO"/>
           </a:p>
@@ -5079,7 +5963,7 @@
           <a:p>
             <a:fld id="{FCCDAA21-5CB3-4329-AFD7-682FAFA3C740}" type="datetimeFigureOut">
               <a:rPr lang="ro-RO" smtClean="0"/>
-              <a:t>06.02.2020</a:t>
+              <a:t>09.02.2020</a:t>
             </a:fld>
             <a:endParaRPr lang="ro-RO"/>
           </a:p>
@@ -5609,7 +6493,7 @@
           <a:p>
             <a:fld id="{FCCDAA21-5CB3-4329-AFD7-682FAFA3C740}" type="datetimeFigureOut">
               <a:rPr lang="ro-RO" smtClean="0"/>
-              <a:t>06.02.2020</a:t>
+              <a:t>09.02.2020</a:t>
             </a:fld>
             <a:endParaRPr lang="ro-RO"/>
           </a:p>
@@ -6314,8 +7198,12 @@
               <a:buChar char="ü"/>
             </a:pPr>
             <a:r>
+              <a:rPr lang="ro-RO" dirty="0"/>
+              <a:t>Funcționalitățile </a:t>
+            </a:r>
+            <a:r>
               <a:rPr lang="ro-RO" dirty="0" smtClean="0"/>
-              <a:t>Arhitectura aplicației</a:t>
+              <a:t>aplicației</a:t>
             </a:r>
           </a:p>
           <a:p>
@@ -6325,7 +7213,7 @@
             </a:pPr>
             <a:r>
               <a:rPr lang="ro-RO" dirty="0" smtClean="0"/>
-              <a:t>Funcționalitățile aplicației</a:t>
+              <a:t>Arhitectura aplicației</a:t>
             </a:r>
           </a:p>
           <a:p>
@@ -6345,8 +7233,9 @@
             </a:pPr>
             <a:r>
               <a:rPr lang="ro-RO" dirty="0" smtClean="0"/>
-              <a:t>Concluzie</a:t>
-            </a:r>
+              <a:t>Concluzii</a:t>
+            </a:r>
+            <a:endParaRPr lang="ro-RO" dirty="0" smtClean="0"/>
           </a:p>
           <a:p>
             <a:pPr>
@@ -6431,12 +7320,59 @@
             <p:ph idx="1"/>
           </p:nvPr>
         </p:nvSpPr>
-        <p:spPr/>
+        <p:spPr>
+          <a:xfrm>
+            <a:off x="1397224" y="2161902"/>
+            <a:ext cx="10018713" cy="3986350"/>
+          </a:xfrm>
+        </p:spPr>
         <p:txBody>
           <a:bodyPr/>
           <a:lstStyle/>
           <a:p>
-            <a:endParaRPr lang="ro-RO" dirty="0"/>
+            <a:pPr>
+              <a:spcBef>
+                <a:spcPts val="1200"/>
+              </a:spcBef>
+            </a:pPr>
+            <a:r>
+              <a:rPr lang="ro-RO" dirty="0"/>
+              <a:t>Serviciile oferite de slabă </a:t>
+            </a:r>
+            <a:r>
+              <a:rPr lang="ro-RO" dirty="0" smtClean="0"/>
+              <a:t>calitate (lipsa de informare despre calitatea serviciilor)</a:t>
+            </a:r>
+          </a:p>
+          <a:p>
+            <a:pPr>
+              <a:spcBef>
+                <a:spcPts val="1200"/>
+              </a:spcBef>
+            </a:pPr>
+            <a:r>
+              <a:rPr lang="ro-RO" dirty="0" smtClean="0"/>
+              <a:t>Nevoiea de a găsi un service într-o zonă necunoscută</a:t>
+            </a:r>
+          </a:p>
+          <a:p>
+            <a:pPr>
+              <a:spcBef>
+                <a:spcPts val="1200"/>
+              </a:spcBef>
+            </a:pPr>
+            <a:r>
+              <a:rPr lang="ro-RO" dirty="0" smtClean="0"/>
+              <a:t>Timp foarte prețios</a:t>
+            </a:r>
+            <a:r>
+              <a:rPr lang="ro-RO" dirty="0"/>
+              <a:t>,</a:t>
+            </a:r>
+            <a:r>
+              <a:rPr lang="ro-RO" dirty="0" smtClean="0"/>
+              <a:t> necesitatea de a simplifica cât mai mult lucrurile</a:t>
+            </a:r>
           </a:p>
         </p:txBody>
       </p:sp>
@@ -6487,7 +7423,12 @@
             <p:ph type="title"/>
           </p:nvPr>
         </p:nvSpPr>
-        <p:spPr/>
+        <p:spPr>
+          <a:xfrm>
+            <a:off x="0" y="0"/>
+            <a:ext cx="12192000" cy="1138086"/>
+          </a:xfrm>
+        </p:spPr>
         <p:txBody>
           <a:bodyPr/>
           <a:lstStyle/>
@@ -6510,12 +7451,367 @@
             <p:ph idx="1"/>
           </p:nvPr>
         </p:nvSpPr>
-        <p:spPr/>
+        <p:spPr>
+          <a:xfrm>
+            <a:off x="0" y="828261"/>
+            <a:ext cx="6361043" cy="991466"/>
+          </a:xfrm>
+        </p:spPr>
         <p:txBody>
           <a:bodyPr/>
           <a:lstStyle/>
           <a:p>
-            <a:endParaRPr lang="ro-RO"/>
+            <a:pPr algn="ctr"/>
+            <a:r>
+              <a:rPr lang="ro-RO" dirty="0" smtClean="0"/>
+              <a:t>Cylex</a:t>
+            </a:r>
+            <a:endParaRPr lang="ro-RO" dirty="0"/>
+          </a:p>
+        </p:txBody>
+      </p:sp>
+      <p:pic>
+        <p:nvPicPr>
+          <p:cNvPr id="4" name="Picture 3"/>
+          <p:cNvPicPr/>
+          <p:nvPr/>
+        </p:nvPicPr>
+        <p:blipFill>
+          <a:blip r:embed="rId3"/>
+          <a:stretch>
+            <a:fillRect/>
+          </a:stretch>
+        </p:blipFill>
+        <p:spPr>
+          <a:xfrm>
+            <a:off x="59634" y="1883521"/>
+            <a:ext cx="6241774" cy="4891653"/>
+          </a:xfrm>
+          <a:prstGeom prst="rect">
+            <a:avLst/>
+          </a:prstGeom>
+          <a:effectLst>
+            <a:outerShdw blurRad="50800" dist="38100" dir="8100000" algn="tr" rotWithShape="0">
+              <a:prstClr val="black">
+                <a:alpha val="40000"/>
+              </a:prstClr>
+            </a:outerShdw>
+          </a:effectLst>
+        </p:spPr>
+      </p:pic>
+      <p:pic>
+        <p:nvPicPr>
+          <p:cNvPr id="5" name="Picture 4"/>
+          <p:cNvPicPr/>
+          <p:nvPr/>
+        </p:nvPicPr>
+        <p:blipFill>
+          <a:blip r:embed="rId4"/>
+          <a:stretch>
+            <a:fillRect/>
+          </a:stretch>
+        </p:blipFill>
+        <p:spPr>
+          <a:xfrm>
+            <a:off x="6361043" y="1864489"/>
+            <a:ext cx="5757970" cy="1735162"/>
+          </a:xfrm>
+          <a:prstGeom prst="rect">
+            <a:avLst/>
+          </a:prstGeom>
+          <a:effectLst>
+            <a:outerShdw blurRad="50800" dist="38100" dir="8100000" algn="tr" rotWithShape="0">
+              <a:prstClr val="black">
+                <a:alpha val="40000"/>
+              </a:prstClr>
+            </a:outerShdw>
+          </a:effectLst>
+        </p:spPr>
+      </p:pic>
+      <p:pic>
+        <p:nvPicPr>
+          <p:cNvPr id="7" name="Picture 6"/>
+          <p:cNvPicPr/>
+          <p:nvPr/>
+        </p:nvPicPr>
+        <p:blipFill>
+          <a:blip r:embed="rId5"/>
+          <a:stretch>
+            <a:fillRect/>
+          </a:stretch>
+        </p:blipFill>
+        <p:spPr>
+          <a:xfrm>
+            <a:off x="6361043" y="3599651"/>
+            <a:ext cx="5757970" cy="3175523"/>
+          </a:xfrm>
+          <a:prstGeom prst="rect">
+            <a:avLst/>
+          </a:prstGeom>
+          <a:effectLst>
+            <a:outerShdw blurRad="50800" dist="38100" dir="8100000" algn="tr" rotWithShape="0">
+              <a:prstClr val="black">
+                <a:alpha val="40000"/>
+              </a:prstClr>
+            </a:outerShdw>
+          </a:effectLst>
+        </p:spPr>
+      </p:pic>
+      <p:sp>
+        <p:nvSpPr>
+          <p:cNvPr id="8" name="Content Placeholder 2"/>
+          <p:cNvSpPr txBox="1">
+            <a:spLocks/>
+          </p:cNvSpPr>
+          <p:nvPr/>
+        </p:nvSpPr>
+        <p:spPr>
+          <a:xfrm>
+            <a:off x="6434031" y="849005"/>
+            <a:ext cx="5757970" cy="991466"/>
+          </a:xfrm>
+          <a:prstGeom prst="rect">
+            <a:avLst/>
+          </a:prstGeom>
+        </p:spPr>
+        <p:txBody>
+          <a:bodyPr vert="horz" lIns="91440" tIns="45720" rIns="91440" bIns="45720" rtlCol="0" anchor="ctr">
+            <a:normAutofit/>
+          </a:bodyPr>
+          <a:lstStyle>
+            <a:lvl1pPr marL="285750" indent="-285750" algn="l" defTabSz="457200" rtl="0" eaLnBrk="1" latinLnBrk="0" hangingPunct="1">
+              <a:spcBef>
+                <a:spcPct val="20000"/>
+              </a:spcBef>
+              <a:spcAft>
+                <a:spcPts val="600"/>
+              </a:spcAft>
+              <a:buClr>
+                <a:schemeClr val="accent1">
+                  <a:lumMod val="75000"/>
+                </a:schemeClr>
+              </a:buClr>
+              <a:buSzPct val="145000"/>
+              <a:buFont typeface="Arial"/>
+              <a:buChar char="•"/>
+              <a:defRPr sz="2400" kern="1200" cap="none">
+                <a:solidFill>
+                  <a:schemeClr val="tx1"/>
+                </a:solidFill>
+                <a:effectLst/>
+                <a:latin typeface="+mn-lt"/>
+                <a:ea typeface="+mn-ea"/>
+                <a:cs typeface="+mn-cs"/>
+              </a:defRPr>
+            </a:lvl1pPr>
+            <a:lvl2pPr marL="742950" indent="-285750" algn="l" defTabSz="457200" rtl="0" eaLnBrk="1" latinLnBrk="0" hangingPunct="1">
+              <a:spcBef>
+                <a:spcPct val="20000"/>
+              </a:spcBef>
+              <a:spcAft>
+                <a:spcPts val="600"/>
+              </a:spcAft>
+              <a:buClr>
+                <a:schemeClr val="accent1">
+                  <a:lumMod val="75000"/>
+                </a:schemeClr>
+              </a:buClr>
+              <a:buSzPct val="145000"/>
+              <a:buFont typeface="Arial"/>
+              <a:buChar char="•"/>
+              <a:defRPr sz="2000" kern="1200" cap="none">
+                <a:solidFill>
+                  <a:schemeClr val="tx1"/>
+                </a:solidFill>
+                <a:effectLst/>
+                <a:latin typeface="+mn-lt"/>
+                <a:ea typeface="+mn-ea"/>
+                <a:cs typeface="+mn-cs"/>
+              </a:defRPr>
+            </a:lvl2pPr>
+            <a:lvl3pPr marL="1200150" indent="-285750" algn="l" defTabSz="457200" rtl="0" eaLnBrk="1" latinLnBrk="0" hangingPunct="1">
+              <a:spcBef>
+                <a:spcPct val="20000"/>
+              </a:spcBef>
+              <a:spcAft>
+                <a:spcPts val="600"/>
+              </a:spcAft>
+              <a:buClr>
+                <a:schemeClr val="accent1">
+                  <a:lumMod val="75000"/>
+                </a:schemeClr>
+              </a:buClr>
+              <a:buSzPct val="145000"/>
+              <a:buFont typeface="Arial"/>
+              <a:buChar char="•"/>
+              <a:defRPr sz="1800" kern="1200" cap="none">
+                <a:solidFill>
+                  <a:schemeClr val="tx1"/>
+                </a:solidFill>
+                <a:effectLst/>
+                <a:latin typeface="+mn-lt"/>
+                <a:ea typeface="+mn-ea"/>
+                <a:cs typeface="+mn-cs"/>
+              </a:defRPr>
+            </a:lvl3pPr>
+            <a:lvl4pPr marL="1543050" indent="-171450" algn="l" defTabSz="457200" rtl="0" eaLnBrk="1" latinLnBrk="0" hangingPunct="1">
+              <a:spcBef>
+                <a:spcPct val="20000"/>
+              </a:spcBef>
+              <a:spcAft>
+                <a:spcPts val="600"/>
+              </a:spcAft>
+              <a:buClr>
+                <a:schemeClr val="accent1">
+                  <a:lumMod val="75000"/>
+                </a:schemeClr>
+              </a:buClr>
+              <a:buSzPct val="145000"/>
+              <a:buFont typeface="Arial"/>
+              <a:buChar char="•"/>
+              <a:defRPr sz="1600" kern="1200" cap="none">
+                <a:solidFill>
+                  <a:schemeClr val="tx1"/>
+                </a:solidFill>
+                <a:effectLst/>
+                <a:latin typeface="+mn-lt"/>
+                <a:ea typeface="+mn-ea"/>
+                <a:cs typeface="+mn-cs"/>
+              </a:defRPr>
+            </a:lvl4pPr>
+            <a:lvl5pPr marL="2000250" indent="-171450" algn="l" defTabSz="457200" rtl="0" eaLnBrk="1" latinLnBrk="0" hangingPunct="1">
+              <a:spcBef>
+                <a:spcPct val="20000"/>
+              </a:spcBef>
+              <a:spcAft>
+                <a:spcPts val="600"/>
+              </a:spcAft>
+              <a:buClr>
+                <a:schemeClr val="accent1">
+                  <a:lumMod val="75000"/>
+                </a:schemeClr>
+              </a:buClr>
+              <a:buSzPct val="145000"/>
+              <a:buFont typeface="Arial"/>
+              <a:buChar char="•"/>
+              <a:defRPr sz="1400" kern="1200" cap="none">
+                <a:solidFill>
+                  <a:schemeClr val="tx1"/>
+                </a:solidFill>
+                <a:effectLst/>
+                <a:latin typeface="+mn-lt"/>
+                <a:ea typeface="+mn-ea"/>
+                <a:cs typeface="+mn-cs"/>
+              </a:defRPr>
+            </a:lvl5pPr>
+            <a:lvl6pPr marL="2514600" indent="-228600" algn="l" defTabSz="457200" rtl="0" eaLnBrk="1" latinLnBrk="0" hangingPunct="1">
+              <a:spcBef>
+                <a:spcPct val="20000"/>
+              </a:spcBef>
+              <a:spcAft>
+                <a:spcPts val="600"/>
+              </a:spcAft>
+              <a:buClr>
+                <a:schemeClr val="accent1">
+                  <a:lumMod val="75000"/>
+                </a:schemeClr>
+              </a:buClr>
+              <a:buSzPct val="145000"/>
+              <a:buFont typeface="Arial"/>
+              <a:buChar char="•"/>
+              <a:defRPr sz="1400" kern="1200" cap="none">
+                <a:solidFill>
+                  <a:schemeClr val="tx1"/>
+                </a:solidFill>
+                <a:effectLst/>
+                <a:latin typeface="+mn-lt"/>
+                <a:ea typeface="+mn-ea"/>
+                <a:cs typeface="+mn-cs"/>
+              </a:defRPr>
+            </a:lvl6pPr>
+            <a:lvl7pPr marL="2971800" indent="-228600" algn="l" defTabSz="457200" rtl="0" eaLnBrk="1" latinLnBrk="0" hangingPunct="1">
+              <a:spcBef>
+                <a:spcPct val="20000"/>
+              </a:spcBef>
+              <a:spcAft>
+                <a:spcPts val="600"/>
+              </a:spcAft>
+              <a:buClr>
+                <a:schemeClr val="accent1">
+                  <a:lumMod val="75000"/>
+                </a:schemeClr>
+              </a:buClr>
+              <a:buSzPct val="145000"/>
+              <a:buFont typeface="Arial"/>
+              <a:buChar char="•"/>
+              <a:defRPr sz="1400" kern="1200" cap="none">
+                <a:solidFill>
+                  <a:schemeClr val="tx1"/>
+                </a:solidFill>
+                <a:effectLst/>
+                <a:latin typeface="+mn-lt"/>
+                <a:ea typeface="+mn-ea"/>
+                <a:cs typeface="+mn-cs"/>
+              </a:defRPr>
+            </a:lvl7pPr>
+            <a:lvl8pPr marL="3429000" indent="-228600" algn="l" defTabSz="457200" rtl="0" eaLnBrk="1" latinLnBrk="0" hangingPunct="1">
+              <a:spcBef>
+                <a:spcPct val="20000"/>
+              </a:spcBef>
+              <a:spcAft>
+                <a:spcPts val="600"/>
+              </a:spcAft>
+              <a:buClr>
+                <a:schemeClr val="accent1">
+                  <a:lumMod val="75000"/>
+                </a:schemeClr>
+              </a:buClr>
+              <a:buSzPct val="145000"/>
+              <a:buFont typeface="Arial"/>
+              <a:buChar char="•"/>
+              <a:defRPr sz="1400" kern="1200" cap="none">
+                <a:solidFill>
+                  <a:schemeClr val="tx1"/>
+                </a:solidFill>
+                <a:effectLst/>
+                <a:latin typeface="+mn-lt"/>
+                <a:ea typeface="+mn-ea"/>
+                <a:cs typeface="+mn-cs"/>
+              </a:defRPr>
+            </a:lvl8pPr>
+            <a:lvl9pPr marL="3886200" indent="-228600" algn="l" defTabSz="457200" rtl="0" eaLnBrk="1" latinLnBrk="0" hangingPunct="1">
+              <a:spcBef>
+                <a:spcPct val="20000"/>
+              </a:spcBef>
+              <a:spcAft>
+                <a:spcPts val="600"/>
+              </a:spcAft>
+              <a:buClr>
+                <a:schemeClr val="accent1">
+                  <a:lumMod val="75000"/>
+                </a:schemeClr>
+              </a:buClr>
+              <a:buSzPct val="145000"/>
+              <a:buFont typeface="Arial"/>
+              <a:buChar char="•"/>
+              <a:defRPr sz="1400" kern="1200" cap="none">
+                <a:solidFill>
+                  <a:schemeClr val="tx1"/>
+                </a:solidFill>
+                <a:effectLst/>
+                <a:latin typeface="+mn-lt"/>
+                <a:ea typeface="+mn-ea"/>
+                <a:cs typeface="+mn-cs"/>
+              </a:defRPr>
+            </a:lvl9pPr>
+          </a:lstStyle>
+          <a:p>
+            <a:pPr algn="ctr"/>
+            <a:r>
+              <a:rPr lang="ro-RO" dirty="0" smtClean="0"/>
+              <a:t>Auto.ro</a:t>
+            </a:r>
+            <a:endParaRPr lang="ro-RO" dirty="0"/>
           </a:p>
         </p:txBody>
       </p:sp>
@@ -6532,9 +7828,612 @@
   <p:timing>
     <p:tnLst>
       <p:par>
-        <p:cTn id="1" dur="indefinite" restart="never" nodeType="tmRoot"/>
+        <p:cTn id="1" dur="indefinite" restart="never" nodeType="tmRoot">
+          <p:childTnLst>
+            <p:seq concurrent="1" nextAc="seek">
+              <p:cTn id="2" dur="indefinite" nodeType="mainSeq">
+                <p:childTnLst>
+                  <p:par>
+                    <p:cTn id="3" fill="hold">
+                      <p:stCondLst>
+                        <p:cond delay="indefinite"/>
+                      </p:stCondLst>
+                      <p:childTnLst>
+                        <p:par>
+                          <p:cTn id="4" fill="hold">
+                            <p:stCondLst>
+                              <p:cond delay="0"/>
+                            </p:stCondLst>
+                            <p:childTnLst>
+                              <p:par>
+                                <p:cTn id="5" presetID="31" presetClass="entr" presetSubtype="0" fill="hold" nodeType="clickEffect">
+                                  <p:stCondLst>
+                                    <p:cond delay="0"/>
+                                  </p:stCondLst>
+                                  <p:childTnLst>
+                                    <p:set>
+                                      <p:cBhvr>
+                                        <p:cTn id="6" dur="1" fill="hold">
+                                          <p:stCondLst>
+                                            <p:cond delay="0"/>
+                                          </p:stCondLst>
+                                        </p:cTn>
+                                        <p:tgtEl>
+                                          <p:spTgt spid="4"/>
+                                        </p:tgtEl>
+                                        <p:attrNameLst>
+                                          <p:attrName>style.visibility</p:attrName>
+                                        </p:attrNameLst>
+                                      </p:cBhvr>
+                                      <p:to>
+                                        <p:strVal val="visible"/>
+                                      </p:to>
+                                    </p:set>
+                                    <p:anim calcmode="lin" valueType="num">
+                                      <p:cBhvr>
+                                        <p:cTn id="7" dur="1000" fill="hold"/>
+                                        <p:tgtEl>
+                                          <p:spTgt spid="4"/>
+                                        </p:tgtEl>
+                                        <p:attrNameLst>
+                                          <p:attrName>ppt_w</p:attrName>
+                                        </p:attrNameLst>
+                                      </p:cBhvr>
+                                      <p:tavLst>
+                                        <p:tav tm="0">
+                                          <p:val>
+                                            <p:fltVal val="0"/>
+                                          </p:val>
+                                        </p:tav>
+                                        <p:tav tm="100000">
+                                          <p:val>
+                                            <p:strVal val="#ppt_w"/>
+                                          </p:val>
+                                        </p:tav>
+                                      </p:tavLst>
+                                    </p:anim>
+                                    <p:anim calcmode="lin" valueType="num">
+                                      <p:cBhvr>
+                                        <p:cTn id="8" dur="1000" fill="hold"/>
+                                        <p:tgtEl>
+                                          <p:spTgt spid="4"/>
+                                        </p:tgtEl>
+                                        <p:attrNameLst>
+                                          <p:attrName>ppt_h</p:attrName>
+                                        </p:attrNameLst>
+                                      </p:cBhvr>
+                                      <p:tavLst>
+                                        <p:tav tm="0">
+                                          <p:val>
+                                            <p:fltVal val="0"/>
+                                          </p:val>
+                                        </p:tav>
+                                        <p:tav tm="100000">
+                                          <p:val>
+                                            <p:strVal val="#ppt_h"/>
+                                          </p:val>
+                                        </p:tav>
+                                      </p:tavLst>
+                                    </p:anim>
+                                    <p:anim calcmode="lin" valueType="num">
+                                      <p:cBhvr>
+                                        <p:cTn id="9" dur="1000" fill="hold"/>
+                                        <p:tgtEl>
+                                          <p:spTgt spid="4"/>
+                                        </p:tgtEl>
+                                        <p:attrNameLst>
+                                          <p:attrName>style.rotation</p:attrName>
+                                        </p:attrNameLst>
+                                      </p:cBhvr>
+                                      <p:tavLst>
+                                        <p:tav tm="0">
+                                          <p:val>
+                                            <p:fltVal val="90"/>
+                                          </p:val>
+                                        </p:tav>
+                                        <p:tav tm="100000">
+                                          <p:val>
+                                            <p:fltVal val="0"/>
+                                          </p:val>
+                                        </p:tav>
+                                      </p:tavLst>
+                                    </p:anim>
+                                    <p:animEffect transition="in" filter="fade">
+                                      <p:cBhvr>
+                                        <p:cTn id="10" dur="1000"/>
+                                        <p:tgtEl>
+                                          <p:spTgt spid="4"/>
+                                        </p:tgtEl>
+                                      </p:cBhvr>
+                                    </p:animEffect>
+                                  </p:childTnLst>
+                                </p:cTn>
+                              </p:par>
+                              <p:par>
+                                <p:cTn id="11" presetID="31" presetClass="entr" presetSubtype="0" fill="hold" grpId="0" nodeType="withEffect">
+                                  <p:stCondLst>
+                                    <p:cond delay="0"/>
+                                  </p:stCondLst>
+                                  <p:childTnLst>
+                                    <p:set>
+                                      <p:cBhvr>
+                                        <p:cTn id="12" dur="1" fill="hold">
+                                          <p:stCondLst>
+                                            <p:cond delay="0"/>
+                                          </p:stCondLst>
+                                        </p:cTn>
+                                        <p:tgtEl>
+                                          <p:spTgt spid="3">
+                                            <p:txEl>
+                                              <p:pRg st="0" end="0"/>
+                                            </p:txEl>
+                                          </p:spTgt>
+                                        </p:tgtEl>
+                                        <p:attrNameLst>
+                                          <p:attrName>style.visibility</p:attrName>
+                                        </p:attrNameLst>
+                                      </p:cBhvr>
+                                      <p:to>
+                                        <p:strVal val="visible"/>
+                                      </p:to>
+                                    </p:set>
+                                    <p:anim calcmode="lin" valueType="num">
+                                      <p:cBhvr>
+                                        <p:cTn id="13" dur="1000" fill="hold"/>
+                                        <p:tgtEl>
+                                          <p:spTgt spid="3">
+                                            <p:txEl>
+                                              <p:pRg st="0" end="0"/>
+                                            </p:txEl>
+                                          </p:spTgt>
+                                        </p:tgtEl>
+                                        <p:attrNameLst>
+                                          <p:attrName>ppt_w</p:attrName>
+                                        </p:attrNameLst>
+                                      </p:cBhvr>
+                                      <p:tavLst>
+                                        <p:tav tm="0">
+                                          <p:val>
+                                            <p:fltVal val="0"/>
+                                          </p:val>
+                                        </p:tav>
+                                        <p:tav tm="100000">
+                                          <p:val>
+                                            <p:strVal val="#ppt_w"/>
+                                          </p:val>
+                                        </p:tav>
+                                      </p:tavLst>
+                                    </p:anim>
+                                    <p:anim calcmode="lin" valueType="num">
+                                      <p:cBhvr>
+                                        <p:cTn id="14" dur="1000" fill="hold"/>
+                                        <p:tgtEl>
+                                          <p:spTgt spid="3">
+                                            <p:txEl>
+                                              <p:pRg st="0" end="0"/>
+                                            </p:txEl>
+                                          </p:spTgt>
+                                        </p:tgtEl>
+                                        <p:attrNameLst>
+                                          <p:attrName>ppt_h</p:attrName>
+                                        </p:attrNameLst>
+                                      </p:cBhvr>
+                                      <p:tavLst>
+                                        <p:tav tm="0">
+                                          <p:val>
+                                            <p:fltVal val="0"/>
+                                          </p:val>
+                                        </p:tav>
+                                        <p:tav tm="100000">
+                                          <p:val>
+                                            <p:strVal val="#ppt_h"/>
+                                          </p:val>
+                                        </p:tav>
+                                      </p:tavLst>
+                                    </p:anim>
+                                    <p:anim calcmode="lin" valueType="num">
+                                      <p:cBhvr>
+                                        <p:cTn id="15" dur="1000" fill="hold"/>
+                                        <p:tgtEl>
+                                          <p:spTgt spid="3">
+                                            <p:txEl>
+                                              <p:pRg st="0" end="0"/>
+                                            </p:txEl>
+                                          </p:spTgt>
+                                        </p:tgtEl>
+                                        <p:attrNameLst>
+                                          <p:attrName>style.rotation</p:attrName>
+                                        </p:attrNameLst>
+                                      </p:cBhvr>
+                                      <p:tavLst>
+                                        <p:tav tm="0">
+                                          <p:val>
+                                            <p:fltVal val="90"/>
+                                          </p:val>
+                                        </p:tav>
+                                        <p:tav tm="100000">
+                                          <p:val>
+                                            <p:fltVal val="0"/>
+                                          </p:val>
+                                        </p:tav>
+                                      </p:tavLst>
+                                    </p:anim>
+                                    <p:animEffect transition="in" filter="fade">
+                                      <p:cBhvr>
+                                        <p:cTn id="16" dur="1000"/>
+                                        <p:tgtEl>
+                                          <p:spTgt spid="3">
+                                            <p:txEl>
+                                              <p:pRg st="0" end="0"/>
+                                            </p:txEl>
+                                          </p:spTgt>
+                                        </p:tgtEl>
+                                      </p:cBhvr>
+                                    </p:animEffect>
+                                  </p:childTnLst>
+                                </p:cTn>
+                              </p:par>
+                            </p:childTnLst>
+                          </p:cTn>
+                        </p:par>
+                      </p:childTnLst>
+                    </p:cTn>
+                  </p:par>
+                  <p:par>
+                    <p:cTn id="17" fill="hold">
+                      <p:stCondLst>
+                        <p:cond delay="indefinite"/>
+                      </p:stCondLst>
+                      <p:childTnLst>
+                        <p:par>
+                          <p:cTn id="18" fill="hold">
+                            <p:stCondLst>
+                              <p:cond delay="0"/>
+                            </p:stCondLst>
+                            <p:childTnLst>
+                              <p:par>
+                                <p:cTn id="19" presetID="31" presetClass="entr" presetSubtype="0" fill="hold" grpId="0" nodeType="clickEffect">
+                                  <p:stCondLst>
+                                    <p:cond delay="0"/>
+                                  </p:stCondLst>
+                                  <p:childTnLst>
+                                    <p:set>
+                                      <p:cBhvr>
+                                        <p:cTn id="20" dur="1" fill="hold">
+                                          <p:stCondLst>
+                                            <p:cond delay="0"/>
+                                          </p:stCondLst>
+                                        </p:cTn>
+                                        <p:tgtEl>
+                                          <p:spTgt spid="8"/>
+                                        </p:tgtEl>
+                                        <p:attrNameLst>
+                                          <p:attrName>style.visibility</p:attrName>
+                                        </p:attrNameLst>
+                                      </p:cBhvr>
+                                      <p:to>
+                                        <p:strVal val="visible"/>
+                                      </p:to>
+                                    </p:set>
+                                    <p:anim calcmode="lin" valueType="num">
+                                      <p:cBhvr>
+                                        <p:cTn id="21" dur="1000" fill="hold"/>
+                                        <p:tgtEl>
+                                          <p:spTgt spid="8"/>
+                                        </p:tgtEl>
+                                        <p:attrNameLst>
+                                          <p:attrName>ppt_w</p:attrName>
+                                        </p:attrNameLst>
+                                      </p:cBhvr>
+                                      <p:tavLst>
+                                        <p:tav tm="0">
+                                          <p:val>
+                                            <p:fltVal val="0"/>
+                                          </p:val>
+                                        </p:tav>
+                                        <p:tav tm="100000">
+                                          <p:val>
+                                            <p:strVal val="#ppt_w"/>
+                                          </p:val>
+                                        </p:tav>
+                                      </p:tavLst>
+                                    </p:anim>
+                                    <p:anim calcmode="lin" valueType="num">
+                                      <p:cBhvr>
+                                        <p:cTn id="22" dur="1000" fill="hold"/>
+                                        <p:tgtEl>
+                                          <p:spTgt spid="8"/>
+                                        </p:tgtEl>
+                                        <p:attrNameLst>
+                                          <p:attrName>ppt_h</p:attrName>
+                                        </p:attrNameLst>
+                                      </p:cBhvr>
+                                      <p:tavLst>
+                                        <p:tav tm="0">
+                                          <p:val>
+                                            <p:fltVal val="0"/>
+                                          </p:val>
+                                        </p:tav>
+                                        <p:tav tm="100000">
+                                          <p:val>
+                                            <p:strVal val="#ppt_h"/>
+                                          </p:val>
+                                        </p:tav>
+                                      </p:tavLst>
+                                    </p:anim>
+                                    <p:anim calcmode="lin" valueType="num">
+                                      <p:cBhvr>
+                                        <p:cTn id="23" dur="1000" fill="hold"/>
+                                        <p:tgtEl>
+                                          <p:spTgt spid="8"/>
+                                        </p:tgtEl>
+                                        <p:attrNameLst>
+                                          <p:attrName>style.rotation</p:attrName>
+                                        </p:attrNameLst>
+                                      </p:cBhvr>
+                                      <p:tavLst>
+                                        <p:tav tm="0">
+                                          <p:val>
+                                            <p:fltVal val="90"/>
+                                          </p:val>
+                                        </p:tav>
+                                        <p:tav tm="100000">
+                                          <p:val>
+                                            <p:fltVal val="0"/>
+                                          </p:val>
+                                        </p:tav>
+                                      </p:tavLst>
+                                    </p:anim>
+                                    <p:animEffect transition="in" filter="fade">
+                                      <p:cBhvr>
+                                        <p:cTn id="24" dur="1000"/>
+                                        <p:tgtEl>
+                                          <p:spTgt spid="8"/>
+                                        </p:tgtEl>
+                                      </p:cBhvr>
+                                    </p:animEffect>
+                                  </p:childTnLst>
+                                </p:cTn>
+                              </p:par>
+                              <p:par>
+                                <p:cTn id="25" presetID="31" presetClass="entr" presetSubtype="0" fill="hold" nodeType="withEffect">
+                                  <p:stCondLst>
+                                    <p:cond delay="0"/>
+                                  </p:stCondLst>
+                                  <p:childTnLst>
+                                    <p:set>
+                                      <p:cBhvr>
+                                        <p:cTn id="26" dur="1" fill="hold">
+                                          <p:stCondLst>
+                                            <p:cond delay="0"/>
+                                          </p:stCondLst>
+                                        </p:cTn>
+                                        <p:tgtEl>
+                                          <p:spTgt spid="5"/>
+                                        </p:tgtEl>
+                                        <p:attrNameLst>
+                                          <p:attrName>style.visibility</p:attrName>
+                                        </p:attrNameLst>
+                                      </p:cBhvr>
+                                      <p:to>
+                                        <p:strVal val="visible"/>
+                                      </p:to>
+                                    </p:set>
+                                    <p:anim calcmode="lin" valueType="num">
+                                      <p:cBhvr>
+                                        <p:cTn id="27" dur="1000" fill="hold"/>
+                                        <p:tgtEl>
+                                          <p:spTgt spid="5"/>
+                                        </p:tgtEl>
+                                        <p:attrNameLst>
+                                          <p:attrName>ppt_w</p:attrName>
+                                        </p:attrNameLst>
+                                      </p:cBhvr>
+                                      <p:tavLst>
+                                        <p:tav tm="0">
+                                          <p:val>
+                                            <p:fltVal val="0"/>
+                                          </p:val>
+                                        </p:tav>
+                                        <p:tav tm="100000">
+                                          <p:val>
+                                            <p:strVal val="#ppt_w"/>
+                                          </p:val>
+                                        </p:tav>
+                                      </p:tavLst>
+                                    </p:anim>
+                                    <p:anim calcmode="lin" valueType="num">
+                                      <p:cBhvr>
+                                        <p:cTn id="28" dur="1000" fill="hold"/>
+                                        <p:tgtEl>
+                                          <p:spTgt spid="5"/>
+                                        </p:tgtEl>
+                                        <p:attrNameLst>
+                                          <p:attrName>ppt_h</p:attrName>
+                                        </p:attrNameLst>
+                                      </p:cBhvr>
+                                      <p:tavLst>
+                                        <p:tav tm="0">
+                                          <p:val>
+                                            <p:fltVal val="0"/>
+                                          </p:val>
+                                        </p:tav>
+                                        <p:tav tm="100000">
+                                          <p:val>
+                                            <p:strVal val="#ppt_h"/>
+                                          </p:val>
+                                        </p:tav>
+                                      </p:tavLst>
+                                    </p:anim>
+                                    <p:anim calcmode="lin" valueType="num">
+                                      <p:cBhvr>
+                                        <p:cTn id="29" dur="1000" fill="hold"/>
+                                        <p:tgtEl>
+                                          <p:spTgt spid="5"/>
+                                        </p:tgtEl>
+                                        <p:attrNameLst>
+                                          <p:attrName>style.rotation</p:attrName>
+                                        </p:attrNameLst>
+                                      </p:cBhvr>
+                                      <p:tavLst>
+                                        <p:tav tm="0">
+                                          <p:val>
+                                            <p:fltVal val="90"/>
+                                          </p:val>
+                                        </p:tav>
+                                        <p:tav tm="100000">
+                                          <p:val>
+                                            <p:fltVal val="0"/>
+                                          </p:val>
+                                        </p:tav>
+                                      </p:tavLst>
+                                    </p:anim>
+                                    <p:animEffect transition="in" filter="fade">
+                                      <p:cBhvr>
+                                        <p:cTn id="30" dur="1000"/>
+                                        <p:tgtEl>
+                                          <p:spTgt spid="5"/>
+                                        </p:tgtEl>
+                                      </p:cBhvr>
+                                    </p:animEffect>
+                                  </p:childTnLst>
+                                </p:cTn>
+                              </p:par>
+                              <p:par>
+                                <p:cTn id="31" presetID="31" presetClass="entr" presetSubtype="0" fill="hold" nodeType="withEffect">
+                                  <p:stCondLst>
+                                    <p:cond delay="0"/>
+                                  </p:stCondLst>
+                                  <p:childTnLst>
+                                    <p:set>
+                                      <p:cBhvr>
+                                        <p:cTn id="32" dur="1" fill="hold">
+                                          <p:stCondLst>
+                                            <p:cond delay="0"/>
+                                          </p:stCondLst>
+                                        </p:cTn>
+                                        <p:tgtEl>
+                                          <p:spTgt spid="7"/>
+                                        </p:tgtEl>
+                                        <p:attrNameLst>
+                                          <p:attrName>style.visibility</p:attrName>
+                                        </p:attrNameLst>
+                                      </p:cBhvr>
+                                      <p:to>
+                                        <p:strVal val="visible"/>
+                                      </p:to>
+                                    </p:set>
+                                    <p:anim calcmode="lin" valueType="num">
+                                      <p:cBhvr>
+                                        <p:cTn id="33" dur="1000" fill="hold"/>
+                                        <p:tgtEl>
+                                          <p:spTgt spid="7"/>
+                                        </p:tgtEl>
+                                        <p:attrNameLst>
+                                          <p:attrName>ppt_w</p:attrName>
+                                        </p:attrNameLst>
+                                      </p:cBhvr>
+                                      <p:tavLst>
+                                        <p:tav tm="0">
+                                          <p:val>
+                                            <p:fltVal val="0"/>
+                                          </p:val>
+                                        </p:tav>
+                                        <p:tav tm="100000">
+                                          <p:val>
+                                            <p:strVal val="#ppt_w"/>
+                                          </p:val>
+                                        </p:tav>
+                                      </p:tavLst>
+                                    </p:anim>
+                                    <p:anim calcmode="lin" valueType="num">
+                                      <p:cBhvr>
+                                        <p:cTn id="34" dur="1000" fill="hold"/>
+                                        <p:tgtEl>
+                                          <p:spTgt spid="7"/>
+                                        </p:tgtEl>
+                                        <p:attrNameLst>
+                                          <p:attrName>ppt_h</p:attrName>
+                                        </p:attrNameLst>
+                                      </p:cBhvr>
+                                      <p:tavLst>
+                                        <p:tav tm="0">
+                                          <p:val>
+                                            <p:fltVal val="0"/>
+                                          </p:val>
+                                        </p:tav>
+                                        <p:tav tm="100000">
+                                          <p:val>
+                                            <p:strVal val="#ppt_h"/>
+                                          </p:val>
+                                        </p:tav>
+                                      </p:tavLst>
+                                    </p:anim>
+                                    <p:anim calcmode="lin" valueType="num">
+                                      <p:cBhvr>
+                                        <p:cTn id="35" dur="1000" fill="hold"/>
+                                        <p:tgtEl>
+                                          <p:spTgt spid="7"/>
+                                        </p:tgtEl>
+                                        <p:attrNameLst>
+                                          <p:attrName>style.rotation</p:attrName>
+                                        </p:attrNameLst>
+                                      </p:cBhvr>
+                                      <p:tavLst>
+                                        <p:tav tm="0">
+                                          <p:val>
+                                            <p:fltVal val="90"/>
+                                          </p:val>
+                                        </p:tav>
+                                        <p:tav tm="100000">
+                                          <p:val>
+                                            <p:fltVal val="0"/>
+                                          </p:val>
+                                        </p:tav>
+                                      </p:tavLst>
+                                    </p:anim>
+                                    <p:animEffect transition="in" filter="fade">
+                                      <p:cBhvr>
+                                        <p:cTn id="36" dur="1000"/>
+                                        <p:tgtEl>
+                                          <p:spTgt spid="7"/>
+                                        </p:tgtEl>
+                                      </p:cBhvr>
+                                    </p:animEffect>
+                                  </p:childTnLst>
+                                </p:cTn>
+                              </p:par>
+                            </p:childTnLst>
+                          </p:cTn>
+                        </p:par>
+                      </p:childTnLst>
+                    </p:cTn>
+                  </p:par>
+                </p:childTnLst>
+              </p:cTn>
+              <p:prevCondLst>
+                <p:cond evt="onPrev" delay="0">
+                  <p:tgtEl>
+                    <p:sldTgt/>
+                  </p:tgtEl>
+                </p:cond>
+              </p:prevCondLst>
+              <p:nextCondLst>
+                <p:cond evt="onNext" delay="0">
+                  <p:tgtEl>
+                    <p:sldTgt/>
+                  </p:tgtEl>
+                </p:cond>
+              </p:nextCondLst>
+            </p:seq>
+          </p:childTnLst>
+        </p:cTn>
       </p:par>
     </p:tnLst>
+    <p:bldLst>
+      <p:bldP spid="3" grpId="0" build="p"/>
+      <p:bldP spid="8" grpId="0"/>
+    </p:bldLst>
   </p:timing>
 </p:sld>
 </file>
@@ -6573,7 +8472,7 @@
           <a:p>
             <a:r>
               <a:rPr lang="ro-RO" dirty="0" smtClean="0"/>
-              <a:t>Arhitectura aplicației</a:t>
+              <a:t>Funcționalitățile aplicației</a:t>
             </a:r>
             <a:endParaRPr lang="ro-RO" dirty="0"/>
           </a:p>
@@ -6594,14 +8493,56 @@
           <a:bodyPr/>
           <a:lstStyle/>
           <a:p>
-            <a:endParaRPr lang="ro-RO"/>
+            <a:pPr>
+              <a:spcBef>
+                <a:spcPts val="1200"/>
+              </a:spcBef>
+              <a:spcAft>
+                <a:spcPts val="1200"/>
+              </a:spcAft>
+            </a:pPr>
+            <a:r>
+              <a:rPr lang="ro-RO" dirty="0" smtClean="0"/>
+              <a:t>Afișarea unei liste de service-uri </a:t>
+            </a:r>
+          </a:p>
+          <a:p>
+            <a:r>
+              <a:rPr lang="ro-RO" dirty="0" smtClean="0"/>
+              <a:t>Vizualizarea detaliilor despre un service</a:t>
+            </a:r>
+          </a:p>
+          <a:p>
+            <a:r>
+              <a:rPr lang="ro-RO" dirty="0" smtClean="0"/>
+              <a:t>Apelarea, trimiterea unui email și calcularea unei rute către service</a:t>
+            </a:r>
+          </a:p>
+          <a:p>
+            <a:r>
+              <a:rPr lang="ro-RO" dirty="0" smtClean="0"/>
+              <a:t>Cererea unei oferte, programarea si scrierea unui comentariu</a:t>
+            </a:r>
+          </a:p>
+          <a:p>
+            <a:r>
+              <a:rPr lang="ro-RO" dirty="0" smtClean="0"/>
+              <a:t>Adăugarea, editarea și ștergerea unui service</a:t>
+            </a:r>
+          </a:p>
+          <a:p>
+            <a:r>
+              <a:rPr lang="ro-RO" dirty="0" smtClean="0"/>
+              <a:t>Autentificarea și schimbarea datelor de profil</a:t>
+            </a:r>
+            <a:endParaRPr lang="ro-RO" dirty="0"/>
           </a:p>
         </p:txBody>
       </p:sp>
     </p:spTree>
     <p:extLst>
       <p:ext uri="{BB962C8B-B14F-4D97-AF65-F5344CB8AC3E}">
-        <p14:creationId xmlns:p14="http://schemas.microsoft.com/office/powerpoint/2010/main" val="719866121"/>
+        <p14:creationId xmlns:p14="http://schemas.microsoft.com/office/powerpoint/2010/main" val="1144580325"/>
       </p:ext>
     </p:extLst>
   </p:cSld>
@@ -6645,22 +8586,95 @@
             <p:ph type="title"/>
           </p:nvPr>
         </p:nvSpPr>
-        <p:spPr/>
+        <p:spPr>
+          <a:xfrm>
+            <a:off x="0" y="1"/>
+            <a:ext cx="12192000" cy="1123122"/>
+          </a:xfrm>
+        </p:spPr>
         <p:txBody>
           <a:bodyPr/>
           <a:lstStyle/>
           <a:p>
             <a:r>
               <a:rPr lang="ro-RO" dirty="0" smtClean="0"/>
-              <a:t>Funcționalitățile aplicației</a:t>
+              <a:t>Arhitectura aplicației</a:t>
             </a:r>
             <a:endParaRPr lang="ro-RO" dirty="0"/>
           </a:p>
         </p:txBody>
       </p:sp>
-      <p:sp>
-        <p:nvSpPr>
-          <p:cNvPr id="3" name="Content Placeholder 2"/>
+      <p:pic>
+        <p:nvPicPr>
+          <p:cNvPr id="4" name="Picture 3" descr="Untitled Diagram (4)"/>
+          <p:cNvPicPr/>
+          <p:nvPr/>
+        </p:nvPicPr>
+        <p:blipFill>
+          <a:blip r:embed="rId2">
+            <a:extLst>
+              <a:ext uri="{28A0092B-C50C-407E-A947-70E740481C1C}">
+                <a14:useLocalDpi xmlns:a14="http://schemas.microsoft.com/office/drawing/2010/main" val="0"/>
+              </a:ext>
+            </a:extLst>
+          </a:blip>
+          <a:srcRect/>
+          <a:stretch>
+            <a:fillRect/>
+          </a:stretch>
+        </p:blipFill>
+        <p:spPr bwMode="auto">
+          <a:xfrm>
+            <a:off x="2865782" y="1195867"/>
+            <a:ext cx="6460436" cy="4562061"/>
+          </a:xfrm>
+          <a:prstGeom prst="rect">
+            <a:avLst/>
+          </a:prstGeom>
+          <a:noFill/>
+          <a:ln>
+            <a:noFill/>
+          </a:ln>
+          <a:effectLst/>
+        </p:spPr>
+      </p:pic>
+      <p:pic>
+        <p:nvPicPr>
+          <p:cNvPr id="10" name="Picture 9" descr="C:\Users\Iulian\Downloads\Untitled Diagram (18).jpg"/>
+          <p:cNvPicPr/>
+          <p:nvPr/>
+        </p:nvPicPr>
+        <p:blipFill>
+          <a:blip r:embed="rId3">
+            <a:extLst>
+              <a:ext uri="{28A0092B-C50C-407E-A947-70E740481C1C}">
+                <a14:useLocalDpi xmlns:a14="http://schemas.microsoft.com/office/drawing/2010/main" val="0"/>
+              </a:ext>
+            </a:extLst>
+          </a:blip>
+          <a:srcRect/>
+          <a:stretch>
+            <a:fillRect/>
+          </a:stretch>
+        </p:blipFill>
+        <p:spPr bwMode="auto">
+          <a:xfrm>
+            <a:off x="3426460" y="1070553"/>
+            <a:ext cx="5339080" cy="4766310"/>
+          </a:xfrm>
+          <a:prstGeom prst="rect">
+            <a:avLst/>
+          </a:prstGeom>
+          <a:noFill/>
+          <a:ln>
+            <a:noFill/>
+          </a:ln>
+          <a:effectLst/>
+        </p:spPr>
+      </p:pic>
+      <p:sp>
+        <p:nvSpPr>
+          <p:cNvPr id="11" name="Content Placeholder 2"/>
           <p:cNvSpPr>
             <a:spLocks noGrp="1"/>
           </p:cNvSpPr>
@@ -6668,19 +8682,879 @@
             <p:ph idx="1"/>
           </p:nvPr>
         </p:nvSpPr>
-        <p:spPr/>
+        <p:spPr>
+          <a:xfrm>
+            <a:off x="2865782" y="5853992"/>
+            <a:ext cx="6460436" cy="745579"/>
+          </a:xfrm>
+        </p:spPr>
         <p:txBody>
           <a:bodyPr/>
           <a:lstStyle/>
           <a:p>
-            <a:endParaRPr lang="ro-RO"/>
-          </a:p>
-        </p:txBody>
-      </p:sp>
+            <a:pPr marL="0" indent="0" algn="ctr">
+              <a:buNone/>
+            </a:pPr>
+            <a:r>
+              <a:rPr lang="ro-RO" dirty="0" smtClean="0"/>
+              <a:t>Diagramă aplicație</a:t>
+            </a:r>
+            <a:endParaRPr lang="ro-RO" dirty="0"/>
+          </a:p>
+        </p:txBody>
+      </p:sp>
+      <p:sp>
+        <p:nvSpPr>
+          <p:cNvPr id="12" name="Content Placeholder 2"/>
+          <p:cNvSpPr txBox="1">
+            <a:spLocks/>
+          </p:cNvSpPr>
+          <p:nvPr/>
+        </p:nvSpPr>
+        <p:spPr>
+          <a:xfrm>
+            <a:off x="3426461" y="5904839"/>
+            <a:ext cx="5339079" cy="745579"/>
+          </a:xfrm>
+          <a:prstGeom prst="rect">
+            <a:avLst/>
+          </a:prstGeom>
+        </p:spPr>
+        <p:txBody>
+          <a:bodyPr vert="horz" lIns="91440" tIns="45720" rIns="91440" bIns="45720" rtlCol="0" anchor="ctr">
+            <a:normAutofit/>
+          </a:bodyPr>
+          <a:lstStyle>
+            <a:lvl1pPr marL="285750" indent="-285750" algn="l" defTabSz="457200" rtl="0" eaLnBrk="1" latinLnBrk="0" hangingPunct="1">
+              <a:spcBef>
+                <a:spcPct val="20000"/>
+              </a:spcBef>
+              <a:spcAft>
+                <a:spcPts val="600"/>
+              </a:spcAft>
+              <a:buClr>
+                <a:schemeClr val="accent1">
+                  <a:lumMod val="75000"/>
+                </a:schemeClr>
+              </a:buClr>
+              <a:buSzPct val="145000"/>
+              <a:buFont typeface="Arial"/>
+              <a:buChar char="•"/>
+              <a:defRPr sz="2400" kern="1200" cap="none">
+                <a:solidFill>
+                  <a:schemeClr val="tx1"/>
+                </a:solidFill>
+                <a:effectLst/>
+                <a:latin typeface="+mn-lt"/>
+                <a:ea typeface="+mn-ea"/>
+                <a:cs typeface="+mn-cs"/>
+              </a:defRPr>
+            </a:lvl1pPr>
+            <a:lvl2pPr marL="742950" indent="-285750" algn="l" defTabSz="457200" rtl="0" eaLnBrk="1" latinLnBrk="0" hangingPunct="1">
+              <a:spcBef>
+                <a:spcPct val="20000"/>
+              </a:spcBef>
+              <a:spcAft>
+                <a:spcPts val="600"/>
+              </a:spcAft>
+              <a:buClr>
+                <a:schemeClr val="accent1">
+                  <a:lumMod val="75000"/>
+                </a:schemeClr>
+              </a:buClr>
+              <a:buSzPct val="145000"/>
+              <a:buFont typeface="Arial"/>
+              <a:buChar char="•"/>
+              <a:defRPr sz="2000" kern="1200" cap="none">
+                <a:solidFill>
+                  <a:schemeClr val="tx1"/>
+                </a:solidFill>
+                <a:effectLst/>
+                <a:latin typeface="+mn-lt"/>
+                <a:ea typeface="+mn-ea"/>
+                <a:cs typeface="+mn-cs"/>
+              </a:defRPr>
+            </a:lvl2pPr>
+            <a:lvl3pPr marL="1200150" indent="-285750" algn="l" defTabSz="457200" rtl="0" eaLnBrk="1" latinLnBrk="0" hangingPunct="1">
+              <a:spcBef>
+                <a:spcPct val="20000"/>
+              </a:spcBef>
+              <a:spcAft>
+                <a:spcPts val="600"/>
+              </a:spcAft>
+              <a:buClr>
+                <a:schemeClr val="accent1">
+                  <a:lumMod val="75000"/>
+                </a:schemeClr>
+              </a:buClr>
+              <a:buSzPct val="145000"/>
+              <a:buFont typeface="Arial"/>
+              <a:buChar char="•"/>
+              <a:defRPr sz="1800" kern="1200" cap="none">
+                <a:solidFill>
+                  <a:schemeClr val="tx1"/>
+                </a:solidFill>
+                <a:effectLst/>
+                <a:latin typeface="+mn-lt"/>
+                <a:ea typeface="+mn-ea"/>
+                <a:cs typeface="+mn-cs"/>
+              </a:defRPr>
+            </a:lvl3pPr>
+            <a:lvl4pPr marL="1543050" indent="-171450" algn="l" defTabSz="457200" rtl="0" eaLnBrk="1" latinLnBrk="0" hangingPunct="1">
+              <a:spcBef>
+                <a:spcPct val="20000"/>
+              </a:spcBef>
+              <a:spcAft>
+                <a:spcPts val="600"/>
+              </a:spcAft>
+              <a:buClr>
+                <a:schemeClr val="accent1">
+                  <a:lumMod val="75000"/>
+                </a:schemeClr>
+              </a:buClr>
+              <a:buSzPct val="145000"/>
+              <a:buFont typeface="Arial"/>
+              <a:buChar char="•"/>
+              <a:defRPr sz="1600" kern="1200" cap="none">
+                <a:solidFill>
+                  <a:schemeClr val="tx1"/>
+                </a:solidFill>
+                <a:effectLst/>
+                <a:latin typeface="+mn-lt"/>
+                <a:ea typeface="+mn-ea"/>
+                <a:cs typeface="+mn-cs"/>
+              </a:defRPr>
+            </a:lvl4pPr>
+            <a:lvl5pPr marL="2000250" indent="-171450" algn="l" defTabSz="457200" rtl="0" eaLnBrk="1" latinLnBrk="0" hangingPunct="1">
+              <a:spcBef>
+                <a:spcPct val="20000"/>
+              </a:spcBef>
+              <a:spcAft>
+                <a:spcPts val="600"/>
+              </a:spcAft>
+              <a:buClr>
+                <a:schemeClr val="accent1">
+                  <a:lumMod val="75000"/>
+                </a:schemeClr>
+              </a:buClr>
+              <a:buSzPct val="145000"/>
+              <a:buFont typeface="Arial"/>
+              <a:buChar char="•"/>
+              <a:defRPr sz="1400" kern="1200" cap="none">
+                <a:solidFill>
+                  <a:schemeClr val="tx1"/>
+                </a:solidFill>
+                <a:effectLst/>
+                <a:latin typeface="+mn-lt"/>
+                <a:ea typeface="+mn-ea"/>
+                <a:cs typeface="+mn-cs"/>
+              </a:defRPr>
+            </a:lvl5pPr>
+            <a:lvl6pPr marL="2514600" indent="-228600" algn="l" defTabSz="457200" rtl="0" eaLnBrk="1" latinLnBrk="0" hangingPunct="1">
+              <a:spcBef>
+                <a:spcPct val="20000"/>
+              </a:spcBef>
+              <a:spcAft>
+                <a:spcPts val="600"/>
+              </a:spcAft>
+              <a:buClr>
+                <a:schemeClr val="accent1">
+                  <a:lumMod val="75000"/>
+                </a:schemeClr>
+              </a:buClr>
+              <a:buSzPct val="145000"/>
+              <a:buFont typeface="Arial"/>
+              <a:buChar char="•"/>
+              <a:defRPr sz="1400" kern="1200" cap="none">
+                <a:solidFill>
+                  <a:schemeClr val="tx1"/>
+                </a:solidFill>
+                <a:effectLst/>
+                <a:latin typeface="+mn-lt"/>
+                <a:ea typeface="+mn-ea"/>
+                <a:cs typeface="+mn-cs"/>
+              </a:defRPr>
+            </a:lvl6pPr>
+            <a:lvl7pPr marL="2971800" indent="-228600" algn="l" defTabSz="457200" rtl="0" eaLnBrk="1" latinLnBrk="0" hangingPunct="1">
+              <a:spcBef>
+                <a:spcPct val="20000"/>
+              </a:spcBef>
+              <a:spcAft>
+                <a:spcPts val="600"/>
+              </a:spcAft>
+              <a:buClr>
+                <a:schemeClr val="accent1">
+                  <a:lumMod val="75000"/>
+                </a:schemeClr>
+              </a:buClr>
+              <a:buSzPct val="145000"/>
+              <a:buFont typeface="Arial"/>
+              <a:buChar char="•"/>
+              <a:defRPr sz="1400" kern="1200" cap="none">
+                <a:solidFill>
+                  <a:schemeClr val="tx1"/>
+                </a:solidFill>
+                <a:effectLst/>
+                <a:latin typeface="+mn-lt"/>
+                <a:ea typeface="+mn-ea"/>
+                <a:cs typeface="+mn-cs"/>
+              </a:defRPr>
+            </a:lvl7pPr>
+            <a:lvl8pPr marL="3429000" indent="-228600" algn="l" defTabSz="457200" rtl="0" eaLnBrk="1" latinLnBrk="0" hangingPunct="1">
+              <a:spcBef>
+                <a:spcPct val="20000"/>
+              </a:spcBef>
+              <a:spcAft>
+                <a:spcPts val="600"/>
+              </a:spcAft>
+              <a:buClr>
+                <a:schemeClr val="accent1">
+                  <a:lumMod val="75000"/>
+                </a:schemeClr>
+              </a:buClr>
+              <a:buSzPct val="145000"/>
+              <a:buFont typeface="Arial"/>
+              <a:buChar char="•"/>
+              <a:defRPr sz="1400" kern="1200" cap="none">
+                <a:solidFill>
+                  <a:schemeClr val="tx1"/>
+                </a:solidFill>
+                <a:effectLst/>
+                <a:latin typeface="+mn-lt"/>
+                <a:ea typeface="+mn-ea"/>
+                <a:cs typeface="+mn-cs"/>
+              </a:defRPr>
+            </a:lvl8pPr>
+            <a:lvl9pPr marL="3886200" indent="-228600" algn="l" defTabSz="457200" rtl="0" eaLnBrk="1" latinLnBrk="0" hangingPunct="1">
+              <a:spcBef>
+                <a:spcPct val="20000"/>
+              </a:spcBef>
+              <a:spcAft>
+                <a:spcPts val="600"/>
+              </a:spcAft>
+              <a:buClr>
+                <a:schemeClr val="accent1">
+                  <a:lumMod val="75000"/>
+                </a:schemeClr>
+              </a:buClr>
+              <a:buSzPct val="145000"/>
+              <a:buFont typeface="Arial"/>
+              <a:buChar char="•"/>
+              <a:defRPr sz="1400" kern="1200" cap="none">
+                <a:solidFill>
+                  <a:schemeClr val="tx1"/>
+                </a:solidFill>
+                <a:effectLst/>
+                <a:latin typeface="+mn-lt"/>
+                <a:ea typeface="+mn-ea"/>
+                <a:cs typeface="+mn-cs"/>
+              </a:defRPr>
+            </a:lvl9pPr>
+          </a:lstStyle>
+          <a:p>
+            <a:pPr marL="0" indent="0" algn="ctr">
+              <a:buNone/>
+            </a:pPr>
+            <a:r>
+              <a:rPr lang="ro-RO" dirty="0" smtClean="0"/>
+              <a:t>Diagramă server</a:t>
+            </a:r>
+            <a:endParaRPr lang="ro-RO" dirty="0"/>
+          </a:p>
+        </p:txBody>
+      </p:sp>
+      <p:sp>
+        <p:nvSpPr>
+          <p:cNvPr id="14" name="Content Placeholder 2"/>
+          <p:cNvSpPr txBox="1">
+            <a:spLocks/>
+          </p:cNvSpPr>
+          <p:nvPr/>
+        </p:nvSpPr>
+        <p:spPr>
+          <a:xfrm>
+            <a:off x="2189941" y="6255648"/>
+            <a:ext cx="7398328" cy="745579"/>
+          </a:xfrm>
+          <a:prstGeom prst="rect">
+            <a:avLst/>
+          </a:prstGeom>
+        </p:spPr>
+        <p:txBody>
+          <a:bodyPr vert="horz" lIns="91440" tIns="45720" rIns="91440" bIns="45720" rtlCol="0" anchor="ctr">
+            <a:normAutofit/>
+          </a:bodyPr>
+          <a:lstStyle>
+            <a:lvl1pPr marL="285750" indent="-285750" algn="l" defTabSz="457200" rtl="0" eaLnBrk="1" latinLnBrk="0" hangingPunct="1">
+              <a:spcBef>
+                <a:spcPct val="20000"/>
+              </a:spcBef>
+              <a:spcAft>
+                <a:spcPts val="600"/>
+              </a:spcAft>
+              <a:buClr>
+                <a:schemeClr val="accent1">
+                  <a:lumMod val="75000"/>
+                </a:schemeClr>
+              </a:buClr>
+              <a:buSzPct val="145000"/>
+              <a:buFont typeface="Arial"/>
+              <a:buChar char="•"/>
+              <a:defRPr sz="2400" kern="1200" cap="none">
+                <a:solidFill>
+                  <a:schemeClr val="tx1"/>
+                </a:solidFill>
+                <a:effectLst/>
+                <a:latin typeface="+mn-lt"/>
+                <a:ea typeface="+mn-ea"/>
+                <a:cs typeface="+mn-cs"/>
+              </a:defRPr>
+            </a:lvl1pPr>
+            <a:lvl2pPr marL="742950" indent="-285750" algn="l" defTabSz="457200" rtl="0" eaLnBrk="1" latinLnBrk="0" hangingPunct="1">
+              <a:spcBef>
+                <a:spcPct val="20000"/>
+              </a:spcBef>
+              <a:spcAft>
+                <a:spcPts val="600"/>
+              </a:spcAft>
+              <a:buClr>
+                <a:schemeClr val="accent1">
+                  <a:lumMod val="75000"/>
+                </a:schemeClr>
+              </a:buClr>
+              <a:buSzPct val="145000"/>
+              <a:buFont typeface="Arial"/>
+              <a:buChar char="•"/>
+              <a:defRPr sz="2000" kern="1200" cap="none">
+                <a:solidFill>
+                  <a:schemeClr val="tx1"/>
+                </a:solidFill>
+                <a:effectLst/>
+                <a:latin typeface="+mn-lt"/>
+                <a:ea typeface="+mn-ea"/>
+                <a:cs typeface="+mn-cs"/>
+              </a:defRPr>
+            </a:lvl2pPr>
+            <a:lvl3pPr marL="1200150" indent="-285750" algn="l" defTabSz="457200" rtl="0" eaLnBrk="1" latinLnBrk="0" hangingPunct="1">
+              <a:spcBef>
+                <a:spcPct val="20000"/>
+              </a:spcBef>
+              <a:spcAft>
+                <a:spcPts val="600"/>
+              </a:spcAft>
+              <a:buClr>
+                <a:schemeClr val="accent1">
+                  <a:lumMod val="75000"/>
+                </a:schemeClr>
+              </a:buClr>
+              <a:buSzPct val="145000"/>
+              <a:buFont typeface="Arial"/>
+              <a:buChar char="•"/>
+              <a:defRPr sz="1800" kern="1200" cap="none">
+                <a:solidFill>
+                  <a:schemeClr val="tx1"/>
+                </a:solidFill>
+                <a:effectLst/>
+                <a:latin typeface="+mn-lt"/>
+                <a:ea typeface="+mn-ea"/>
+                <a:cs typeface="+mn-cs"/>
+              </a:defRPr>
+            </a:lvl3pPr>
+            <a:lvl4pPr marL="1543050" indent="-171450" algn="l" defTabSz="457200" rtl="0" eaLnBrk="1" latinLnBrk="0" hangingPunct="1">
+              <a:spcBef>
+                <a:spcPct val="20000"/>
+              </a:spcBef>
+              <a:spcAft>
+                <a:spcPts val="600"/>
+              </a:spcAft>
+              <a:buClr>
+                <a:schemeClr val="accent1">
+                  <a:lumMod val="75000"/>
+                </a:schemeClr>
+              </a:buClr>
+              <a:buSzPct val="145000"/>
+              <a:buFont typeface="Arial"/>
+              <a:buChar char="•"/>
+              <a:defRPr sz="1600" kern="1200" cap="none">
+                <a:solidFill>
+                  <a:schemeClr val="tx1"/>
+                </a:solidFill>
+                <a:effectLst/>
+                <a:latin typeface="+mn-lt"/>
+                <a:ea typeface="+mn-ea"/>
+                <a:cs typeface="+mn-cs"/>
+              </a:defRPr>
+            </a:lvl4pPr>
+            <a:lvl5pPr marL="2000250" indent="-171450" algn="l" defTabSz="457200" rtl="0" eaLnBrk="1" latinLnBrk="0" hangingPunct="1">
+              <a:spcBef>
+                <a:spcPct val="20000"/>
+              </a:spcBef>
+              <a:spcAft>
+                <a:spcPts val="600"/>
+              </a:spcAft>
+              <a:buClr>
+                <a:schemeClr val="accent1">
+                  <a:lumMod val="75000"/>
+                </a:schemeClr>
+              </a:buClr>
+              <a:buSzPct val="145000"/>
+              <a:buFont typeface="Arial"/>
+              <a:buChar char="•"/>
+              <a:defRPr sz="1400" kern="1200" cap="none">
+                <a:solidFill>
+                  <a:schemeClr val="tx1"/>
+                </a:solidFill>
+                <a:effectLst/>
+                <a:latin typeface="+mn-lt"/>
+                <a:ea typeface="+mn-ea"/>
+                <a:cs typeface="+mn-cs"/>
+              </a:defRPr>
+            </a:lvl5pPr>
+            <a:lvl6pPr marL="2514600" indent="-228600" algn="l" defTabSz="457200" rtl="0" eaLnBrk="1" latinLnBrk="0" hangingPunct="1">
+              <a:spcBef>
+                <a:spcPct val="20000"/>
+              </a:spcBef>
+              <a:spcAft>
+                <a:spcPts val="600"/>
+              </a:spcAft>
+              <a:buClr>
+                <a:schemeClr val="accent1">
+                  <a:lumMod val="75000"/>
+                </a:schemeClr>
+              </a:buClr>
+              <a:buSzPct val="145000"/>
+              <a:buFont typeface="Arial"/>
+              <a:buChar char="•"/>
+              <a:defRPr sz="1400" kern="1200" cap="none">
+                <a:solidFill>
+                  <a:schemeClr val="tx1"/>
+                </a:solidFill>
+                <a:effectLst/>
+                <a:latin typeface="+mn-lt"/>
+                <a:ea typeface="+mn-ea"/>
+                <a:cs typeface="+mn-cs"/>
+              </a:defRPr>
+            </a:lvl6pPr>
+            <a:lvl7pPr marL="2971800" indent="-228600" algn="l" defTabSz="457200" rtl="0" eaLnBrk="1" latinLnBrk="0" hangingPunct="1">
+              <a:spcBef>
+                <a:spcPct val="20000"/>
+              </a:spcBef>
+              <a:spcAft>
+                <a:spcPts val="600"/>
+              </a:spcAft>
+              <a:buClr>
+                <a:schemeClr val="accent1">
+                  <a:lumMod val="75000"/>
+                </a:schemeClr>
+              </a:buClr>
+              <a:buSzPct val="145000"/>
+              <a:buFont typeface="Arial"/>
+              <a:buChar char="•"/>
+              <a:defRPr sz="1400" kern="1200" cap="none">
+                <a:solidFill>
+                  <a:schemeClr val="tx1"/>
+                </a:solidFill>
+                <a:effectLst/>
+                <a:latin typeface="+mn-lt"/>
+                <a:ea typeface="+mn-ea"/>
+                <a:cs typeface="+mn-cs"/>
+              </a:defRPr>
+            </a:lvl7pPr>
+            <a:lvl8pPr marL="3429000" indent="-228600" algn="l" defTabSz="457200" rtl="0" eaLnBrk="1" latinLnBrk="0" hangingPunct="1">
+              <a:spcBef>
+                <a:spcPct val="20000"/>
+              </a:spcBef>
+              <a:spcAft>
+                <a:spcPts val="600"/>
+              </a:spcAft>
+              <a:buClr>
+                <a:schemeClr val="accent1">
+                  <a:lumMod val="75000"/>
+                </a:schemeClr>
+              </a:buClr>
+              <a:buSzPct val="145000"/>
+              <a:buFont typeface="Arial"/>
+              <a:buChar char="•"/>
+              <a:defRPr sz="1400" kern="1200" cap="none">
+                <a:solidFill>
+                  <a:schemeClr val="tx1"/>
+                </a:solidFill>
+                <a:effectLst/>
+                <a:latin typeface="+mn-lt"/>
+                <a:ea typeface="+mn-ea"/>
+                <a:cs typeface="+mn-cs"/>
+              </a:defRPr>
+            </a:lvl8pPr>
+            <a:lvl9pPr marL="3886200" indent="-228600" algn="l" defTabSz="457200" rtl="0" eaLnBrk="1" latinLnBrk="0" hangingPunct="1">
+              <a:spcBef>
+                <a:spcPct val="20000"/>
+              </a:spcBef>
+              <a:spcAft>
+                <a:spcPts val="600"/>
+              </a:spcAft>
+              <a:buClr>
+                <a:schemeClr val="accent1">
+                  <a:lumMod val="75000"/>
+                </a:schemeClr>
+              </a:buClr>
+              <a:buSzPct val="145000"/>
+              <a:buFont typeface="Arial"/>
+              <a:buChar char="•"/>
+              <a:defRPr sz="1400" kern="1200" cap="none">
+                <a:solidFill>
+                  <a:schemeClr val="tx1"/>
+                </a:solidFill>
+                <a:effectLst/>
+                <a:latin typeface="+mn-lt"/>
+                <a:ea typeface="+mn-ea"/>
+                <a:cs typeface="+mn-cs"/>
+              </a:defRPr>
+            </a:lvl9pPr>
+          </a:lstStyle>
+          <a:p>
+            <a:pPr marL="0" indent="0" algn="ctr">
+              <a:buNone/>
+            </a:pPr>
+            <a:r>
+              <a:rPr lang="ro-RO" dirty="0" smtClean="0"/>
+              <a:t>Diagramă android</a:t>
+            </a:r>
+            <a:endParaRPr lang="ro-RO" dirty="0"/>
+          </a:p>
+        </p:txBody>
+      </p:sp>
+      <p:sp>
+        <p:nvSpPr>
+          <p:cNvPr id="15" name="Content Placeholder 2"/>
+          <p:cNvSpPr txBox="1">
+            <a:spLocks/>
+          </p:cNvSpPr>
+          <p:nvPr/>
+        </p:nvSpPr>
+        <p:spPr>
+          <a:xfrm>
+            <a:off x="2776335" y="5506626"/>
+            <a:ext cx="6225540" cy="745579"/>
+          </a:xfrm>
+          <a:prstGeom prst="rect">
+            <a:avLst/>
+          </a:prstGeom>
+        </p:spPr>
+        <p:txBody>
+          <a:bodyPr vert="horz" lIns="91440" tIns="45720" rIns="91440" bIns="45720" rtlCol="0" anchor="ctr">
+            <a:normAutofit/>
+          </a:bodyPr>
+          <a:lstStyle>
+            <a:lvl1pPr marL="285750" indent="-285750" algn="l" defTabSz="457200" rtl="0" eaLnBrk="1" latinLnBrk="0" hangingPunct="1">
+              <a:spcBef>
+                <a:spcPct val="20000"/>
+              </a:spcBef>
+              <a:spcAft>
+                <a:spcPts val="600"/>
+              </a:spcAft>
+              <a:buClr>
+                <a:schemeClr val="accent1">
+                  <a:lumMod val="75000"/>
+                </a:schemeClr>
+              </a:buClr>
+              <a:buSzPct val="145000"/>
+              <a:buFont typeface="Arial"/>
+              <a:buChar char="•"/>
+              <a:defRPr sz="2400" kern="1200" cap="none">
+                <a:solidFill>
+                  <a:schemeClr val="tx1"/>
+                </a:solidFill>
+                <a:effectLst/>
+                <a:latin typeface="+mn-lt"/>
+                <a:ea typeface="+mn-ea"/>
+                <a:cs typeface="+mn-cs"/>
+              </a:defRPr>
+            </a:lvl1pPr>
+            <a:lvl2pPr marL="742950" indent="-285750" algn="l" defTabSz="457200" rtl="0" eaLnBrk="1" latinLnBrk="0" hangingPunct="1">
+              <a:spcBef>
+                <a:spcPct val="20000"/>
+              </a:spcBef>
+              <a:spcAft>
+                <a:spcPts val="600"/>
+              </a:spcAft>
+              <a:buClr>
+                <a:schemeClr val="accent1">
+                  <a:lumMod val="75000"/>
+                </a:schemeClr>
+              </a:buClr>
+              <a:buSzPct val="145000"/>
+              <a:buFont typeface="Arial"/>
+              <a:buChar char="•"/>
+              <a:defRPr sz="2000" kern="1200" cap="none">
+                <a:solidFill>
+                  <a:schemeClr val="tx1"/>
+                </a:solidFill>
+                <a:effectLst/>
+                <a:latin typeface="+mn-lt"/>
+                <a:ea typeface="+mn-ea"/>
+                <a:cs typeface="+mn-cs"/>
+              </a:defRPr>
+            </a:lvl2pPr>
+            <a:lvl3pPr marL="1200150" indent="-285750" algn="l" defTabSz="457200" rtl="0" eaLnBrk="1" latinLnBrk="0" hangingPunct="1">
+              <a:spcBef>
+                <a:spcPct val="20000"/>
+              </a:spcBef>
+              <a:spcAft>
+                <a:spcPts val="600"/>
+              </a:spcAft>
+              <a:buClr>
+                <a:schemeClr val="accent1">
+                  <a:lumMod val="75000"/>
+                </a:schemeClr>
+              </a:buClr>
+              <a:buSzPct val="145000"/>
+              <a:buFont typeface="Arial"/>
+              <a:buChar char="•"/>
+              <a:defRPr sz="1800" kern="1200" cap="none">
+                <a:solidFill>
+                  <a:schemeClr val="tx1"/>
+                </a:solidFill>
+                <a:effectLst/>
+                <a:latin typeface="+mn-lt"/>
+                <a:ea typeface="+mn-ea"/>
+                <a:cs typeface="+mn-cs"/>
+              </a:defRPr>
+            </a:lvl3pPr>
+            <a:lvl4pPr marL="1543050" indent="-171450" algn="l" defTabSz="457200" rtl="0" eaLnBrk="1" latinLnBrk="0" hangingPunct="1">
+              <a:spcBef>
+                <a:spcPct val="20000"/>
+              </a:spcBef>
+              <a:spcAft>
+                <a:spcPts val="600"/>
+              </a:spcAft>
+              <a:buClr>
+                <a:schemeClr val="accent1">
+                  <a:lumMod val="75000"/>
+                </a:schemeClr>
+              </a:buClr>
+              <a:buSzPct val="145000"/>
+              <a:buFont typeface="Arial"/>
+              <a:buChar char="•"/>
+              <a:defRPr sz="1600" kern="1200" cap="none">
+                <a:solidFill>
+                  <a:schemeClr val="tx1"/>
+                </a:solidFill>
+                <a:effectLst/>
+                <a:latin typeface="+mn-lt"/>
+                <a:ea typeface="+mn-ea"/>
+                <a:cs typeface="+mn-cs"/>
+              </a:defRPr>
+            </a:lvl4pPr>
+            <a:lvl5pPr marL="2000250" indent="-171450" algn="l" defTabSz="457200" rtl="0" eaLnBrk="1" latinLnBrk="0" hangingPunct="1">
+              <a:spcBef>
+                <a:spcPct val="20000"/>
+              </a:spcBef>
+              <a:spcAft>
+                <a:spcPts val="600"/>
+              </a:spcAft>
+              <a:buClr>
+                <a:schemeClr val="accent1">
+                  <a:lumMod val="75000"/>
+                </a:schemeClr>
+              </a:buClr>
+              <a:buSzPct val="145000"/>
+              <a:buFont typeface="Arial"/>
+              <a:buChar char="•"/>
+              <a:defRPr sz="1400" kern="1200" cap="none">
+                <a:solidFill>
+                  <a:schemeClr val="tx1"/>
+                </a:solidFill>
+                <a:effectLst/>
+                <a:latin typeface="+mn-lt"/>
+                <a:ea typeface="+mn-ea"/>
+                <a:cs typeface="+mn-cs"/>
+              </a:defRPr>
+            </a:lvl5pPr>
+            <a:lvl6pPr marL="2514600" indent="-228600" algn="l" defTabSz="457200" rtl="0" eaLnBrk="1" latinLnBrk="0" hangingPunct="1">
+              <a:spcBef>
+                <a:spcPct val="20000"/>
+              </a:spcBef>
+              <a:spcAft>
+                <a:spcPts val="600"/>
+              </a:spcAft>
+              <a:buClr>
+                <a:schemeClr val="accent1">
+                  <a:lumMod val="75000"/>
+                </a:schemeClr>
+              </a:buClr>
+              <a:buSzPct val="145000"/>
+              <a:buFont typeface="Arial"/>
+              <a:buChar char="•"/>
+              <a:defRPr sz="1400" kern="1200" cap="none">
+                <a:solidFill>
+                  <a:schemeClr val="tx1"/>
+                </a:solidFill>
+                <a:effectLst/>
+                <a:latin typeface="+mn-lt"/>
+                <a:ea typeface="+mn-ea"/>
+                <a:cs typeface="+mn-cs"/>
+              </a:defRPr>
+            </a:lvl6pPr>
+            <a:lvl7pPr marL="2971800" indent="-228600" algn="l" defTabSz="457200" rtl="0" eaLnBrk="1" latinLnBrk="0" hangingPunct="1">
+              <a:spcBef>
+                <a:spcPct val="20000"/>
+              </a:spcBef>
+              <a:spcAft>
+                <a:spcPts val="600"/>
+              </a:spcAft>
+              <a:buClr>
+                <a:schemeClr val="accent1">
+                  <a:lumMod val="75000"/>
+                </a:schemeClr>
+              </a:buClr>
+              <a:buSzPct val="145000"/>
+              <a:buFont typeface="Arial"/>
+              <a:buChar char="•"/>
+              <a:defRPr sz="1400" kern="1200" cap="none">
+                <a:solidFill>
+                  <a:schemeClr val="tx1"/>
+                </a:solidFill>
+                <a:effectLst/>
+                <a:latin typeface="+mn-lt"/>
+                <a:ea typeface="+mn-ea"/>
+                <a:cs typeface="+mn-cs"/>
+              </a:defRPr>
+            </a:lvl7pPr>
+            <a:lvl8pPr marL="3429000" indent="-228600" algn="l" defTabSz="457200" rtl="0" eaLnBrk="1" latinLnBrk="0" hangingPunct="1">
+              <a:spcBef>
+                <a:spcPct val="20000"/>
+              </a:spcBef>
+              <a:spcAft>
+                <a:spcPts val="600"/>
+              </a:spcAft>
+              <a:buClr>
+                <a:schemeClr val="accent1">
+                  <a:lumMod val="75000"/>
+                </a:schemeClr>
+              </a:buClr>
+              <a:buSzPct val="145000"/>
+              <a:buFont typeface="Arial"/>
+              <a:buChar char="•"/>
+              <a:defRPr sz="1400" kern="1200" cap="none">
+                <a:solidFill>
+                  <a:schemeClr val="tx1"/>
+                </a:solidFill>
+                <a:effectLst/>
+                <a:latin typeface="+mn-lt"/>
+                <a:ea typeface="+mn-ea"/>
+                <a:cs typeface="+mn-cs"/>
+              </a:defRPr>
+            </a:lvl8pPr>
+            <a:lvl9pPr marL="3886200" indent="-228600" algn="l" defTabSz="457200" rtl="0" eaLnBrk="1" latinLnBrk="0" hangingPunct="1">
+              <a:spcBef>
+                <a:spcPct val="20000"/>
+              </a:spcBef>
+              <a:spcAft>
+                <a:spcPts val="600"/>
+              </a:spcAft>
+              <a:buClr>
+                <a:schemeClr val="accent1">
+                  <a:lumMod val="75000"/>
+                </a:schemeClr>
+              </a:buClr>
+              <a:buSzPct val="145000"/>
+              <a:buFont typeface="Arial"/>
+              <a:buChar char="•"/>
+              <a:defRPr sz="1400" kern="1200" cap="none">
+                <a:solidFill>
+                  <a:schemeClr val="tx1"/>
+                </a:solidFill>
+                <a:effectLst/>
+                <a:latin typeface="+mn-lt"/>
+                <a:ea typeface="+mn-ea"/>
+                <a:cs typeface="+mn-cs"/>
+              </a:defRPr>
+            </a:lvl9pPr>
+          </a:lstStyle>
+          <a:p>
+            <a:pPr marL="0" indent="0" algn="ctr">
+              <a:buNone/>
+            </a:pPr>
+            <a:r>
+              <a:rPr lang="ro-RO" dirty="0" smtClean="0"/>
+              <a:t>Diagramă android extensie</a:t>
+            </a:r>
+            <a:endParaRPr lang="ro-RO" dirty="0"/>
+          </a:p>
+        </p:txBody>
+      </p:sp>
+      <p:pic>
+        <p:nvPicPr>
+          <p:cNvPr id="16" name="Picture 15" descr="C:\Users\Iulian\Downloads\Untitled Diagram (13).jpg"/>
+          <p:cNvPicPr/>
+          <p:nvPr/>
+        </p:nvPicPr>
+        <p:blipFill>
+          <a:blip r:embed="rId4">
+            <a:extLst>
+              <a:ext uri="{28A0092B-C50C-407E-A947-70E740481C1C}">
+                <a14:useLocalDpi xmlns:a14="http://schemas.microsoft.com/office/drawing/2010/main" val="0"/>
+              </a:ext>
+            </a:extLst>
+          </a:blip>
+          <a:srcRect/>
+          <a:stretch>
+            <a:fillRect/>
+          </a:stretch>
+        </p:blipFill>
+        <p:spPr bwMode="auto">
+          <a:xfrm>
+            <a:off x="2189941" y="976578"/>
+            <a:ext cx="7398328" cy="5301050"/>
+          </a:xfrm>
+          <a:prstGeom prst="rect">
+            <a:avLst/>
+          </a:prstGeom>
+          <a:noFill/>
+          <a:ln>
+            <a:noFill/>
+          </a:ln>
+          <a:effectLst/>
+        </p:spPr>
+      </p:pic>
+      <p:pic>
+        <p:nvPicPr>
+          <p:cNvPr id="13" name="Picture 12" descr="C:\Users\Iulian\Downloads\Untitled Diagram (14).jpg"/>
+          <p:cNvPicPr/>
+          <p:nvPr/>
+        </p:nvPicPr>
+        <p:blipFill>
+          <a:blip r:embed="rId5">
+            <a:extLst>
+              <a:ext uri="{28A0092B-C50C-407E-A947-70E740481C1C}">
+                <a14:useLocalDpi xmlns:a14="http://schemas.microsoft.com/office/drawing/2010/main" val="0"/>
+              </a:ext>
+            </a:extLst>
+          </a:blip>
+          <a:srcRect/>
+          <a:stretch>
+            <a:fillRect/>
+          </a:stretch>
+        </p:blipFill>
+        <p:spPr bwMode="auto">
+          <a:xfrm>
+            <a:off x="2776335" y="1437974"/>
+            <a:ext cx="6225540" cy="3496310"/>
+          </a:xfrm>
+          <a:prstGeom prst="rect">
+            <a:avLst/>
+          </a:prstGeom>
+          <a:noFill/>
+          <a:ln>
+            <a:noFill/>
+          </a:ln>
+          <a:effectLst/>
+        </p:spPr>
+      </p:pic>
     </p:spTree>
     <p:extLst>
       <p:ext uri="{BB962C8B-B14F-4D97-AF65-F5344CB8AC3E}">
-        <p14:creationId xmlns:p14="http://schemas.microsoft.com/office/powerpoint/2010/main" val="1144580325"/>
+        <p14:creationId xmlns:p14="http://schemas.microsoft.com/office/powerpoint/2010/main" val="719866121"/>
       </p:ext>
     </p:extLst>
   </p:cSld>
@@ -6690,9 +9564,1062 @@
   <p:timing>
     <p:tnLst>
       <p:par>
-        <p:cTn id="1" dur="indefinite" restart="never" nodeType="tmRoot"/>
+        <p:cTn id="1" dur="indefinite" restart="never" nodeType="tmRoot">
+          <p:childTnLst>
+            <p:seq concurrent="1" nextAc="seek">
+              <p:cTn id="2" dur="indefinite" nodeType="mainSeq">
+                <p:childTnLst>
+                  <p:par>
+                    <p:cTn id="3" fill="hold">
+                      <p:stCondLst>
+                        <p:cond delay="indefinite"/>
+                      </p:stCondLst>
+                      <p:childTnLst>
+                        <p:par>
+                          <p:cTn id="4" fill="hold">
+                            <p:stCondLst>
+                              <p:cond delay="0"/>
+                            </p:stCondLst>
+                            <p:childTnLst>
+                              <p:par>
+                                <p:cTn id="5" presetID="31" presetClass="entr" presetSubtype="0" fill="hold" grpId="0" nodeType="clickEffect">
+                                  <p:stCondLst>
+                                    <p:cond delay="0"/>
+                                  </p:stCondLst>
+                                  <p:childTnLst>
+                                    <p:set>
+                                      <p:cBhvr>
+                                        <p:cTn id="6" dur="1" fill="hold">
+                                          <p:stCondLst>
+                                            <p:cond delay="0"/>
+                                          </p:stCondLst>
+                                        </p:cTn>
+                                        <p:tgtEl>
+                                          <p:spTgt spid="11">
+                                            <p:txEl>
+                                              <p:pRg st="0" end="0"/>
+                                            </p:txEl>
+                                          </p:spTgt>
+                                        </p:tgtEl>
+                                        <p:attrNameLst>
+                                          <p:attrName>style.visibility</p:attrName>
+                                        </p:attrNameLst>
+                                      </p:cBhvr>
+                                      <p:to>
+                                        <p:strVal val="visible"/>
+                                      </p:to>
+                                    </p:set>
+                                    <p:anim calcmode="lin" valueType="num">
+                                      <p:cBhvr>
+                                        <p:cTn id="7" dur="1000" fill="hold"/>
+                                        <p:tgtEl>
+                                          <p:spTgt spid="11">
+                                            <p:txEl>
+                                              <p:pRg st="0" end="0"/>
+                                            </p:txEl>
+                                          </p:spTgt>
+                                        </p:tgtEl>
+                                        <p:attrNameLst>
+                                          <p:attrName>ppt_w</p:attrName>
+                                        </p:attrNameLst>
+                                      </p:cBhvr>
+                                      <p:tavLst>
+                                        <p:tav tm="0">
+                                          <p:val>
+                                            <p:fltVal val="0"/>
+                                          </p:val>
+                                        </p:tav>
+                                        <p:tav tm="100000">
+                                          <p:val>
+                                            <p:strVal val="#ppt_w"/>
+                                          </p:val>
+                                        </p:tav>
+                                      </p:tavLst>
+                                    </p:anim>
+                                    <p:anim calcmode="lin" valueType="num">
+                                      <p:cBhvr>
+                                        <p:cTn id="8" dur="1000" fill="hold"/>
+                                        <p:tgtEl>
+                                          <p:spTgt spid="11">
+                                            <p:txEl>
+                                              <p:pRg st="0" end="0"/>
+                                            </p:txEl>
+                                          </p:spTgt>
+                                        </p:tgtEl>
+                                        <p:attrNameLst>
+                                          <p:attrName>ppt_h</p:attrName>
+                                        </p:attrNameLst>
+                                      </p:cBhvr>
+                                      <p:tavLst>
+                                        <p:tav tm="0">
+                                          <p:val>
+                                            <p:fltVal val="0"/>
+                                          </p:val>
+                                        </p:tav>
+                                        <p:tav tm="100000">
+                                          <p:val>
+                                            <p:strVal val="#ppt_h"/>
+                                          </p:val>
+                                        </p:tav>
+                                      </p:tavLst>
+                                    </p:anim>
+                                    <p:anim calcmode="lin" valueType="num">
+                                      <p:cBhvr>
+                                        <p:cTn id="9" dur="1000" fill="hold"/>
+                                        <p:tgtEl>
+                                          <p:spTgt spid="11">
+                                            <p:txEl>
+                                              <p:pRg st="0" end="0"/>
+                                            </p:txEl>
+                                          </p:spTgt>
+                                        </p:tgtEl>
+                                        <p:attrNameLst>
+                                          <p:attrName>style.rotation</p:attrName>
+                                        </p:attrNameLst>
+                                      </p:cBhvr>
+                                      <p:tavLst>
+                                        <p:tav tm="0">
+                                          <p:val>
+                                            <p:fltVal val="90"/>
+                                          </p:val>
+                                        </p:tav>
+                                        <p:tav tm="100000">
+                                          <p:val>
+                                            <p:fltVal val="0"/>
+                                          </p:val>
+                                        </p:tav>
+                                      </p:tavLst>
+                                    </p:anim>
+                                    <p:animEffect transition="in" filter="fade">
+                                      <p:cBhvr>
+                                        <p:cTn id="10" dur="1000"/>
+                                        <p:tgtEl>
+                                          <p:spTgt spid="11">
+                                            <p:txEl>
+                                              <p:pRg st="0" end="0"/>
+                                            </p:txEl>
+                                          </p:spTgt>
+                                        </p:tgtEl>
+                                      </p:cBhvr>
+                                    </p:animEffect>
+                                  </p:childTnLst>
+                                  <p:subTnLst>
+                                    <p:set>
+                                      <p:cBhvr override="childStyle">
+                                        <p:cTn dur="1" fill="hold" display="0" masterRel="nextClick" afterEffect="1"/>
+                                        <p:tgtEl>
+                                          <p:spTgt spid="11">
+                                            <p:txEl>
+                                              <p:pRg st="0" end="0"/>
+                                            </p:txEl>
+                                          </p:spTgt>
+                                        </p:tgtEl>
+                                        <p:attrNameLst>
+                                          <p:attrName>style.visibility</p:attrName>
+                                        </p:attrNameLst>
+                                      </p:cBhvr>
+                                      <p:to>
+                                        <p:strVal val="hidden"/>
+                                      </p:to>
+                                    </p:set>
+                                  </p:subTnLst>
+                                </p:cTn>
+                              </p:par>
+                              <p:par>
+                                <p:cTn id="11" presetID="31" presetClass="entr" presetSubtype="0" fill="hold" nodeType="withEffect">
+                                  <p:stCondLst>
+                                    <p:cond delay="0"/>
+                                  </p:stCondLst>
+                                  <p:childTnLst>
+                                    <p:set>
+                                      <p:cBhvr>
+                                        <p:cTn id="12" dur="1" fill="hold">
+                                          <p:stCondLst>
+                                            <p:cond delay="0"/>
+                                          </p:stCondLst>
+                                        </p:cTn>
+                                        <p:tgtEl>
+                                          <p:spTgt spid="4"/>
+                                        </p:tgtEl>
+                                        <p:attrNameLst>
+                                          <p:attrName>style.visibility</p:attrName>
+                                        </p:attrNameLst>
+                                      </p:cBhvr>
+                                      <p:to>
+                                        <p:strVal val="visible"/>
+                                      </p:to>
+                                    </p:set>
+                                    <p:anim calcmode="lin" valueType="num">
+                                      <p:cBhvr>
+                                        <p:cTn id="13" dur="1000" fill="hold"/>
+                                        <p:tgtEl>
+                                          <p:spTgt spid="4"/>
+                                        </p:tgtEl>
+                                        <p:attrNameLst>
+                                          <p:attrName>ppt_w</p:attrName>
+                                        </p:attrNameLst>
+                                      </p:cBhvr>
+                                      <p:tavLst>
+                                        <p:tav tm="0">
+                                          <p:val>
+                                            <p:fltVal val="0"/>
+                                          </p:val>
+                                        </p:tav>
+                                        <p:tav tm="100000">
+                                          <p:val>
+                                            <p:strVal val="#ppt_w"/>
+                                          </p:val>
+                                        </p:tav>
+                                      </p:tavLst>
+                                    </p:anim>
+                                    <p:anim calcmode="lin" valueType="num">
+                                      <p:cBhvr>
+                                        <p:cTn id="14" dur="1000" fill="hold"/>
+                                        <p:tgtEl>
+                                          <p:spTgt spid="4"/>
+                                        </p:tgtEl>
+                                        <p:attrNameLst>
+                                          <p:attrName>ppt_h</p:attrName>
+                                        </p:attrNameLst>
+                                      </p:cBhvr>
+                                      <p:tavLst>
+                                        <p:tav tm="0">
+                                          <p:val>
+                                            <p:fltVal val="0"/>
+                                          </p:val>
+                                        </p:tav>
+                                        <p:tav tm="100000">
+                                          <p:val>
+                                            <p:strVal val="#ppt_h"/>
+                                          </p:val>
+                                        </p:tav>
+                                      </p:tavLst>
+                                    </p:anim>
+                                    <p:anim calcmode="lin" valueType="num">
+                                      <p:cBhvr>
+                                        <p:cTn id="15" dur="1000" fill="hold"/>
+                                        <p:tgtEl>
+                                          <p:spTgt spid="4"/>
+                                        </p:tgtEl>
+                                        <p:attrNameLst>
+                                          <p:attrName>style.rotation</p:attrName>
+                                        </p:attrNameLst>
+                                      </p:cBhvr>
+                                      <p:tavLst>
+                                        <p:tav tm="0">
+                                          <p:val>
+                                            <p:fltVal val="90"/>
+                                          </p:val>
+                                        </p:tav>
+                                        <p:tav tm="100000">
+                                          <p:val>
+                                            <p:fltVal val="0"/>
+                                          </p:val>
+                                        </p:tav>
+                                      </p:tavLst>
+                                    </p:anim>
+                                    <p:animEffect transition="in" filter="fade">
+                                      <p:cBhvr>
+                                        <p:cTn id="16" dur="1000"/>
+                                        <p:tgtEl>
+                                          <p:spTgt spid="4"/>
+                                        </p:tgtEl>
+                                      </p:cBhvr>
+                                    </p:animEffect>
+                                  </p:childTnLst>
+                                  <p:subTnLst>
+                                    <p:set>
+                                      <p:cBhvr override="childStyle">
+                                        <p:cTn dur="1" fill="hold" display="0" masterRel="nextClick" afterEffect="1"/>
+                                        <p:tgtEl>
+                                          <p:spTgt spid="4"/>
+                                        </p:tgtEl>
+                                        <p:attrNameLst>
+                                          <p:attrName>style.visibility</p:attrName>
+                                        </p:attrNameLst>
+                                      </p:cBhvr>
+                                      <p:to>
+                                        <p:strVal val="hidden"/>
+                                      </p:to>
+                                    </p:set>
+                                  </p:subTnLst>
+                                </p:cTn>
+                              </p:par>
+                            </p:childTnLst>
+                          </p:cTn>
+                        </p:par>
+                      </p:childTnLst>
+                    </p:cTn>
+                  </p:par>
+                  <p:par>
+                    <p:cTn id="17" fill="hold">
+                      <p:stCondLst>
+                        <p:cond delay="indefinite"/>
+                      </p:stCondLst>
+                      <p:childTnLst>
+                        <p:par>
+                          <p:cTn id="18" fill="hold">
+                            <p:stCondLst>
+                              <p:cond delay="0"/>
+                            </p:stCondLst>
+                            <p:childTnLst>
+                              <p:par>
+                                <p:cTn id="19" presetID="31" presetClass="entr" presetSubtype="0" fill="hold" nodeType="clickEffect">
+                                  <p:stCondLst>
+                                    <p:cond delay="0"/>
+                                  </p:stCondLst>
+                                  <p:childTnLst>
+                                    <p:set>
+                                      <p:cBhvr>
+                                        <p:cTn id="20" dur="1" fill="hold">
+                                          <p:stCondLst>
+                                            <p:cond delay="0"/>
+                                          </p:stCondLst>
+                                        </p:cTn>
+                                        <p:tgtEl>
+                                          <p:spTgt spid="10"/>
+                                        </p:tgtEl>
+                                        <p:attrNameLst>
+                                          <p:attrName>style.visibility</p:attrName>
+                                        </p:attrNameLst>
+                                      </p:cBhvr>
+                                      <p:to>
+                                        <p:strVal val="visible"/>
+                                      </p:to>
+                                    </p:set>
+                                    <p:anim calcmode="lin" valueType="num">
+                                      <p:cBhvr>
+                                        <p:cTn id="21" dur="1000" fill="hold"/>
+                                        <p:tgtEl>
+                                          <p:spTgt spid="10"/>
+                                        </p:tgtEl>
+                                        <p:attrNameLst>
+                                          <p:attrName>ppt_w</p:attrName>
+                                        </p:attrNameLst>
+                                      </p:cBhvr>
+                                      <p:tavLst>
+                                        <p:tav tm="0">
+                                          <p:val>
+                                            <p:fltVal val="0"/>
+                                          </p:val>
+                                        </p:tav>
+                                        <p:tav tm="100000">
+                                          <p:val>
+                                            <p:strVal val="#ppt_w"/>
+                                          </p:val>
+                                        </p:tav>
+                                      </p:tavLst>
+                                    </p:anim>
+                                    <p:anim calcmode="lin" valueType="num">
+                                      <p:cBhvr>
+                                        <p:cTn id="22" dur="1000" fill="hold"/>
+                                        <p:tgtEl>
+                                          <p:spTgt spid="10"/>
+                                        </p:tgtEl>
+                                        <p:attrNameLst>
+                                          <p:attrName>ppt_h</p:attrName>
+                                        </p:attrNameLst>
+                                      </p:cBhvr>
+                                      <p:tavLst>
+                                        <p:tav tm="0">
+                                          <p:val>
+                                            <p:fltVal val="0"/>
+                                          </p:val>
+                                        </p:tav>
+                                        <p:tav tm="100000">
+                                          <p:val>
+                                            <p:strVal val="#ppt_h"/>
+                                          </p:val>
+                                        </p:tav>
+                                      </p:tavLst>
+                                    </p:anim>
+                                    <p:anim calcmode="lin" valueType="num">
+                                      <p:cBhvr>
+                                        <p:cTn id="23" dur="1000" fill="hold"/>
+                                        <p:tgtEl>
+                                          <p:spTgt spid="10"/>
+                                        </p:tgtEl>
+                                        <p:attrNameLst>
+                                          <p:attrName>style.rotation</p:attrName>
+                                        </p:attrNameLst>
+                                      </p:cBhvr>
+                                      <p:tavLst>
+                                        <p:tav tm="0">
+                                          <p:val>
+                                            <p:fltVal val="90"/>
+                                          </p:val>
+                                        </p:tav>
+                                        <p:tav tm="100000">
+                                          <p:val>
+                                            <p:fltVal val="0"/>
+                                          </p:val>
+                                        </p:tav>
+                                      </p:tavLst>
+                                    </p:anim>
+                                    <p:animEffect transition="in" filter="fade">
+                                      <p:cBhvr>
+                                        <p:cTn id="24" dur="1000"/>
+                                        <p:tgtEl>
+                                          <p:spTgt spid="10"/>
+                                        </p:tgtEl>
+                                      </p:cBhvr>
+                                    </p:animEffect>
+                                  </p:childTnLst>
+                                  <p:subTnLst>
+                                    <p:set>
+                                      <p:cBhvr override="childStyle">
+                                        <p:cTn dur="1" fill="hold" display="0" masterRel="nextClick" afterEffect="1"/>
+                                        <p:tgtEl>
+                                          <p:spTgt spid="10"/>
+                                        </p:tgtEl>
+                                        <p:attrNameLst>
+                                          <p:attrName>style.visibility</p:attrName>
+                                        </p:attrNameLst>
+                                      </p:cBhvr>
+                                      <p:to>
+                                        <p:strVal val="hidden"/>
+                                      </p:to>
+                                    </p:set>
+                                  </p:subTnLst>
+                                </p:cTn>
+                              </p:par>
+                              <p:par>
+                                <p:cTn id="25" presetID="31" presetClass="entr" presetSubtype="0" fill="hold" grpId="0" nodeType="withEffect">
+                                  <p:stCondLst>
+                                    <p:cond delay="0"/>
+                                  </p:stCondLst>
+                                  <p:childTnLst>
+                                    <p:set>
+                                      <p:cBhvr>
+                                        <p:cTn id="26" dur="1" fill="hold">
+                                          <p:stCondLst>
+                                            <p:cond delay="0"/>
+                                          </p:stCondLst>
+                                        </p:cTn>
+                                        <p:tgtEl>
+                                          <p:spTgt spid="12"/>
+                                        </p:tgtEl>
+                                        <p:attrNameLst>
+                                          <p:attrName>style.visibility</p:attrName>
+                                        </p:attrNameLst>
+                                      </p:cBhvr>
+                                      <p:to>
+                                        <p:strVal val="visible"/>
+                                      </p:to>
+                                    </p:set>
+                                    <p:anim calcmode="lin" valueType="num">
+                                      <p:cBhvr>
+                                        <p:cTn id="27" dur="1000" fill="hold"/>
+                                        <p:tgtEl>
+                                          <p:spTgt spid="12"/>
+                                        </p:tgtEl>
+                                        <p:attrNameLst>
+                                          <p:attrName>ppt_w</p:attrName>
+                                        </p:attrNameLst>
+                                      </p:cBhvr>
+                                      <p:tavLst>
+                                        <p:tav tm="0">
+                                          <p:val>
+                                            <p:fltVal val="0"/>
+                                          </p:val>
+                                        </p:tav>
+                                        <p:tav tm="100000">
+                                          <p:val>
+                                            <p:strVal val="#ppt_w"/>
+                                          </p:val>
+                                        </p:tav>
+                                      </p:tavLst>
+                                    </p:anim>
+                                    <p:anim calcmode="lin" valueType="num">
+                                      <p:cBhvr>
+                                        <p:cTn id="28" dur="1000" fill="hold"/>
+                                        <p:tgtEl>
+                                          <p:spTgt spid="12"/>
+                                        </p:tgtEl>
+                                        <p:attrNameLst>
+                                          <p:attrName>ppt_h</p:attrName>
+                                        </p:attrNameLst>
+                                      </p:cBhvr>
+                                      <p:tavLst>
+                                        <p:tav tm="0">
+                                          <p:val>
+                                            <p:fltVal val="0"/>
+                                          </p:val>
+                                        </p:tav>
+                                        <p:tav tm="100000">
+                                          <p:val>
+                                            <p:strVal val="#ppt_h"/>
+                                          </p:val>
+                                        </p:tav>
+                                      </p:tavLst>
+                                    </p:anim>
+                                    <p:anim calcmode="lin" valueType="num">
+                                      <p:cBhvr>
+                                        <p:cTn id="29" dur="1000" fill="hold"/>
+                                        <p:tgtEl>
+                                          <p:spTgt spid="12"/>
+                                        </p:tgtEl>
+                                        <p:attrNameLst>
+                                          <p:attrName>style.rotation</p:attrName>
+                                        </p:attrNameLst>
+                                      </p:cBhvr>
+                                      <p:tavLst>
+                                        <p:tav tm="0">
+                                          <p:val>
+                                            <p:fltVal val="90"/>
+                                          </p:val>
+                                        </p:tav>
+                                        <p:tav tm="100000">
+                                          <p:val>
+                                            <p:fltVal val="0"/>
+                                          </p:val>
+                                        </p:tav>
+                                      </p:tavLst>
+                                    </p:anim>
+                                    <p:animEffect transition="in" filter="fade">
+                                      <p:cBhvr>
+                                        <p:cTn id="30" dur="1000"/>
+                                        <p:tgtEl>
+                                          <p:spTgt spid="12"/>
+                                        </p:tgtEl>
+                                      </p:cBhvr>
+                                    </p:animEffect>
+                                  </p:childTnLst>
+                                  <p:subTnLst>
+                                    <p:set>
+                                      <p:cBhvr override="childStyle">
+                                        <p:cTn dur="1" fill="hold" display="0" masterRel="nextClick" afterEffect="1"/>
+                                        <p:tgtEl>
+                                          <p:spTgt spid="12"/>
+                                        </p:tgtEl>
+                                        <p:attrNameLst>
+                                          <p:attrName>style.visibility</p:attrName>
+                                        </p:attrNameLst>
+                                      </p:cBhvr>
+                                      <p:to>
+                                        <p:strVal val="hidden"/>
+                                      </p:to>
+                                    </p:set>
+                                  </p:subTnLst>
+                                </p:cTn>
+                              </p:par>
+                            </p:childTnLst>
+                          </p:cTn>
+                        </p:par>
+                      </p:childTnLst>
+                    </p:cTn>
+                  </p:par>
+                  <p:par>
+                    <p:cTn id="31" fill="hold">
+                      <p:stCondLst>
+                        <p:cond delay="indefinite"/>
+                      </p:stCondLst>
+                      <p:childTnLst>
+                        <p:par>
+                          <p:cTn id="32" fill="hold">
+                            <p:stCondLst>
+                              <p:cond delay="0"/>
+                            </p:stCondLst>
+                            <p:childTnLst>
+                              <p:par>
+                                <p:cTn id="33" presetID="31" presetClass="entr" presetSubtype="0" fill="hold" grpId="0" nodeType="clickEffect">
+                                  <p:stCondLst>
+                                    <p:cond delay="0"/>
+                                  </p:stCondLst>
+                                  <p:childTnLst>
+                                    <p:set>
+                                      <p:cBhvr>
+                                        <p:cTn id="34" dur="1" fill="hold">
+                                          <p:stCondLst>
+                                            <p:cond delay="0"/>
+                                          </p:stCondLst>
+                                        </p:cTn>
+                                        <p:tgtEl>
+                                          <p:spTgt spid="14"/>
+                                        </p:tgtEl>
+                                        <p:attrNameLst>
+                                          <p:attrName>style.visibility</p:attrName>
+                                        </p:attrNameLst>
+                                      </p:cBhvr>
+                                      <p:to>
+                                        <p:strVal val="visible"/>
+                                      </p:to>
+                                    </p:set>
+                                    <p:anim calcmode="lin" valueType="num">
+                                      <p:cBhvr>
+                                        <p:cTn id="35" dur="1000" fill="hold"/>
+                                        <p:tgtEl>
+                                          <p:spTgt spid="14"/>
+                                        </p:tgtEl>
+                                        <p:attrNameLst>
+                                          <p:attrName>ppt_w</p:attrName>
+                                        </p:attrNameLst>
+                                      </p:cBhvr>
+                                      <p:tavLst>
+                                        <p:tav tm="0">
+                                          <p:val>
+                                            <p:fltVal val="0"/>
+                                          </p:val>
+                                        </p:tav>
+                                        <p:tav tm="100000">
+                                          <p:val>
+                                            <p:strVal val="#ppt_w"/>
+                                          </p:val>
+                                        </p:tav>
+                                      </p:tavLst>
+                                    </p:anim>
+                                    <p:anim calcmode="lin" valueType="num">
+                                      <p:cBhvr>
+                                        <p:cTn id="36" dur="1000" fill="hold"/>
+                                        <p:tgtEl>
+                                          <p:spTgt spid="14"/>
+                                        </p:tgtEl>
+                                        <p:attrNameLst>
+                                          <p:attrName>ppt_h</p:attrName>
+                                        </p:attrNameLst>
+                                      </p:cBhvr>
+                                      <p:tavLst>
+                                        <p:tav tm="0">
+                                          <p:val>
+                                            <p:fltVal val="0"/>
+                                          </p:val>
+                                        </p:tav>
+                                        <p:tav tm="100000">
+                                          <p:val>
+                                            <p:strVal val="#ppt_h"/>
+                                          </p:val>
+                                        </p:tav>
+                                      </p:tavLst>
+                                    </p:anim>
+                                    <p:anim calcmode="lin" valueType="num">
+                                      <p:cBhvr>
+                                        <p:cTn id="37" dur="1000" fill="hold"/>
+                                        <p:tgtEl>
+                                          <p:spTgt spid="14"/>
+                                        </p:tgtEl>
+                                        <p:attrNameLst>
+                                          <p:attrName>style.rotation</p:attrName>
+                                        </p:attrNameLst>
+                                      </p:cBhvr>
+                                      <p:tavLst>
+                                        <p:tav tm="0">
+                                          <p:val>
+                                            <p:fltVal val="90"/>
+                                          </p:val>
+                                        </p:tav>
+                                        <p:tav tm="100000">
+                                          <p:val>
+                                            <p:fltVal val="0"/>
+                                          </p:val>
+                                        </p:tav>
+                                      </p:tavLst>
+                                    </p:anim>
+                                    <p:animEffect transition="in" filter="fade">
+                                      <p:cBhvr>
+                                        <p:cTn id="38" dur="1000"/>
+                                        <p:tgtEl>
+                                          <p:spTgt spid="14"/>
+                                        </p:tgtEl>
+                                      </p:cBhvr>
+                                    </p:animEffect>
+                                  </p:childTnLst>
+                                  <p:subTnLst>
+                                    <p:set>
+                                      <p:cBhvr override="childStyle">
+                                        <p:cTn dur="1" fill="hold" display="0" masterRel="nextClick" afterEffect="1"/>
+                                        <p:tgtEl>
+                                          <p:spTgt spid="14"/>
+                                        </p:tgtEl>
+                                        <p:attrNameLst>
+                                          <p:attrName>style.visibility</p:attrName>
+                                        </p:attrNameLst>
+                                      </p:cBhvr>
+                                      <p:to>
+                                        <p:strVal val="hidden"/>
+                                      </p:to>
+                                    </p:set>
+                                  </p:subTnLst>
+                                </p:cTn>
+                              </p:par>
+                              <p:par>
+                                <p:cTn id="39" presetID="31" presetClass="entr" presetSubtype="0" fill="hold" nodeType="withEffect">
+                                  <p:stCondLst>
+                                    <p:cond delay="0"/>
+                                  </p:stCondLst>
+                                  <p:childTnLst>
+                                    <p:set>
+                                      <p:cBhvr>
+                                        <p:cTn id="40" dur="1" fill="hold">
+                                          <p:stCondLst>
+                                            <p:cond delay="0"/>
+                                          </p:stCondLst>
+                                        </p:cTn>
+                                        <p:tgtEl>
+                                          <p:spTgt spid="16"/>
+                                        </p:tgtEl>
+                                        <p:attrNameLst>
+                                          <p:attrName>style.visibility</p:attrName>
+                                        </p:attrNameLst>
+                                      </p:cBhvr>
+                                      <p:to>
+                                        <p:strVal val="visible"/>
+                                      </p:to>
+                                    </p:set>
+                                    <p:anim calcmode="lin" valueType="num">
+                                      <p:cBhvr>
+                                        <p:cTn id="41" dur="1000" fill="hold"/>
+                                        <p:tgtEl>
+                                          <p:spTgt spid="16"/>
+                                        </p:tgtEl>
+                                        <p:attrNameLst>
+                                          <p:attrName>ppt_w</p:attrName>
+                                        </p:attrNameLst>
+                                      </p:cBhvr>
+                                      <p:tavLst>
+                                        <p:tav tm="0">
+                                          <p:val>
+                                            <p:fltVal val="0"/>
+                                          </p:val>
+                                        </p:tav>
+                                        <p:tav tm="100000">
+                                          <p:val>
+                                            <p:strVal val="#ppt_w"/>
+                                          </p:val>
+                                        </p:tav>
+                                      </p:tavLst>
+                                    </p:anim>
+                                    <p:anim calcmode="lin" valueType="num">
+                                      <p:cBhvr>
+                                        <p:cTn id="42" dur="1000" fill="hold"/>
+                                        <p:tgtEl>
+                                          <p:spTgt spid="16"/>
+                                        </p:tgtEl>
+                                        <p:attrNameLst>
+                                          <p:attrName>ppt_h</p:attrName>
+                                        </p:attrNameLst>
+                                      </p:cBhvr>
+                                      <p:tavLst>
+                                        <p:tav tm="0">
+                                          <p:val>
+                                            <p:fltVal val="0"/>
+                                          </p:val>
+                                        </p:tav>
+                                        <p:tav tm="100000">
+                                          <p:val>
+                                            <p:strVal val="#ppt_h"/>
+                                          </p:val>
+                                        </p:tav>
+                                      </p:tavLst>
+                                    </p:anim>
+                                    <p:anim calcmode="lin" valueType="num">
+                                      <p:cBhvr>
+                                        <p:cTn id="43" dur="1000" fill="hold"/>
+                                        <p:tgtEl>
+                                          <p:spTgt spid="16"/>
+                                        </p:tgtEl>
+                                        <p:attrNameLst>
+                                          <p:attrName>style.rotation</p:attrName>
+                                        </p:attrNameLst>
+                                      </p:cBhvr>
+                                      <p:tavLst>
+                                        <p:tav tm="0">
+                                          <p:val>
+                                            <p:fltVal val="90"/>
+                                          </p:val>
+                                        </p:tav>
+                                        <p:tav tm="100000">
+                                          <p:val>
+                                            <p:fltVal val="0"/>
+                                          </p:val>
+                                        </p:tav>
+                                      </p:tavLst>
+                                    </p:anim>
+                                    <p:animEffect transition="in" filter="fade">
+                                      <p:cBhvr>
+                                        <p:cTn id="44" dur="1000"/>
+                                        <p:tgtEl>
+                                          <p:spTgt spid="16"/>
+                                        </p:tgtEl>
+                                      </p:cBhvr>
+                                    </p:animEffect>
+                                  </p:childTnLst>
+                                  <p:subTnLst>
+                                    <p:set>
+                                      <p:cBhvr override="childStyle">
+                                        <p:cTn dur="1" fill="hold" display="0" masterRel="nextClick" afterEffect="1"/>
+                                        <p:tgtEl>
+                                          <p:spTgt spid="16"/>
+                                        </p:tgtEl>
+                                        <p:attrNameLst>
+                                          <p:attrName>style.visibility</p:attrName>
+                                        </p:attrNameLst>
+                                      </p:cBhvr>
+                                      <p:to>
+                                        <p:strVal val="hidden"/>
+                                      </p:to>
+                                    </p:set>
+                                  </p:subTnLst>
+                                </p:cTn>
+                              </p:par>
+                            </p:childTnLst>
+                          </p:cTn>
+                        </p:par>
+                      </p:childTnLst>
+                    </p:cTn>
+                  </p:par>
+                  <p:par>
+                    <p:cTn id="45" fill="hold">
+                      <p:stCondLst>
+                        <p:cond delay="indefinite"/>
+                      </p:stCondLst>
+                      <p:childTnLst>
+                        <p:par>
+                          <p:cTn id="46" fill="hold">
+                            <p:stCondLst>
+                              <p:cond delay="0"/>
+                            </p:stCondLst>
+                            <p:childTnLst>
+                              <p:par>
+                                <p:cTn id="47" presetID="31" presetClass="entr" presetSubtype="0" fill="hold" grpId="0" nodeType="clickEffect">
+                                  <p:stCondLst>
+                                    <p:cond delay="0"/>
+                                  </p:stCondLst>
+                                  <p:childTnLst>
+                                    <p:set>
+                                      <p:cBhvr>
+                                        <p:cTn id="48" dur="1" fill="hold">
+                                          <p:stCondLst>
+                                            <p:cond delay="0"/>
+                                          </p:stCondLst>
+                                        </p:cTn>
+                                        <p:tgtEl>
+                                          <p:spTgt spid="15"/>
+                                        </p:tgtEl>
+                                        <p:attrNameLst>
+                                          <p:attrName>style.visibility</p:attrName>
+                                        </p:attrNameLst>
+                                      </p:cBhvr>
+                                      <p:to>
+                                        <p:strVal val="visible"/>
+                                      </p:to>
+                                    </p:set>
+                                    <p:anim calcmode="lin" valueType="num">
+                                      <p:cBhvr>
+                                        <p:cTn id="49" dur="1000" fill="hold"/>
+                                        <p:tgtEl>
+                                          <p:spTgt spid="15"/>
+                                        </p:tgtEl>
+                                        <p:attrNameLst>
+                                          <p:attrName>ppt_w</p:attrName>
+                                        </p:attrNameLst>
+                                      </p:cBhvr>
+                                      <p:tavLst>
+                                        <p:tav tm="0">
+                                          <p:val>
+                                            <p:fltVal val="0"/>
+                                          </p:val>
+                                        </p:tav>
+                                        <p:tav tm="100000">
+                                          <p:val>
+                                            <p:strVal val="#ppt_w"/>
+                                          </p:val>
+                                        </p:tav>
+                                      </p:tavLst>
+                                    </p:anim>
+                                    <p:anim calcmode="lin" valueType="num">
+                                      <p:cBhvr>
+                                        <p:cTn id="50" dur="1000" fill="hold"/>
+                                        <p:tgtEl>
+                                          <p:spTgt spid="15"/>
+                                        </p:tgtEl>
+                                        <p:attrNameLst>
+                                          <p:attrName>ppt_h</p:attrName>
+                                        </p:attrNameLst>
+                                      </p:cBhvr>
+                                      <p:tavLst>
+                                        <p:tav tm="0">
+                                          <p:val>
+                                            <p:fltVal val="0"/>
+                                          </p:val>
+                                        </p:tav>
+                                        <p:tav tm="100000">
+                                          <p:val>
+                                            <p:strVal val="#ppt_h"/>
+                                          </p:val>
+                                        </p:tav>
+                                      </p:tavLst>
+                                    </p:anim>
+                                    <p:anim calcmode="lin" valueType="num">
+                                      <p:cBhvr>
+                                        <p:cTn id="51" dur="1000" fill="hold"/>
+                                        <p:tgtEl>
+                                          <p:spTgt spid="15"/>
+                                        </p:tgtEl>
+                                        <p:attrNameLst>
+                                          <p:attrName>style.rotation</p:attrName>
+                                        </p:attrNameLst>
+                                      </p:cBhvr>
+                                      <p:tavLst>
+                                        <p:tav tm="0">
+                                          <p:val>
+                                            <p:fltVal val="90"/>
+                                          </p:val>
+                                        </p:tav>
+                                        <p:tav tm="100000">
+                                          <p:val>
+                                            <p:fltVal val="0"/>
+                                          </p:val>
+                                        </p:tav>
+                                      </p:tavLst>
+                                    </p:anim>
+                                    <p:animEffect transition="in" filter="fade">
+                                      <p:cBhvr>
+                                        <p:cTn id="52" dur="1000"/>
+                                        <p:tgtEl>
+                                          <p:spTgt spid="15"/>
+                                        </p:tgtEl>
+                                      </p:cBhvr>
+                                    </p:animEffect>
+                                  </p:childTnLst>
+                                </p:cTn>
+                              </p:par>
+                              <p:par>
+                                <p:cTn id="53" presetID="31" presetClass="entr" presetSubtype="0" fill="hold" nodeType="withEffect">
+                                  <p:stCondLst>
+                                    <p:cond delay="0"/>
+                                  </p:stCondLst>
+                                  <p:childTnLst>
+                                    <p:set>
+                                      <p:cBhvr>
+                                        <p:cTn id="54" dur="1" fill="hold">
+                                          <p:stCondLst>
+                                            <p:cond delay="0"/>
+                                          </p:stCondLst>
+                                        </p:cTn>
+                                        <p:tgtEl>
+                                          <p:spTgt spid="13"/>
+                                        </p:tgtEl>
+                                        <p:attrNameLst>
+                                          <p:attrName>style.visibility</p:attrName>
+                                        </p:attrNameLst>
+                                      </p:cBhvr>
+                                      <p:to>
+                                        <p:strVal val="visible"/>
+                                      </p:to>
+                                    </p:set>
+                                    <p:anim calcmode="lin" valueType="num">
+                                      <p:cBhvr>
+                                        <p:cTn id="55" dur="1000" fill="hold"/>
+                                        <p:tgtEl>
+                                          <p:spTgt spid="13"/>
+                                        </p:tgtEl>
+                                        <p:attrNameLst>
+                                          <p:attrName>ppt_w</p:attrName>
+                                        </p:attrNameLst>
+                                      </p:cBhvr>
+                                      <p:tavLst>
+                                        <p:tav tm="0">
+                                          <p:val>
+                                            <p:fltVal val="0"/>
+                                          </p:val>
+                                        </p:tav>
+                                        <p:tav tm="100000">
+                                          <p:val>
+                                            <p:strVal val="#ppt_w"/>
+                                          </p:val>
+                                        </p:tav>
+                                      </p:tavLst>
+                                    </p:anim>
+                                    <p:anim calcmode="lin" valueType="num">
+                                      <p:cBhvr>
+                                        <p:cTn id="56" dur="1000" fill="hold"/>
+                                        <p:tgtEl>
+                                          <p:spTgt spid="13"/>
+                                        </p:tgtEl>
+                                        <p:attrNameLst>
+                                          <p:attrName>ppt_h</p:attrName>
+                                        </p:attrNameLst>
+                                      </p:cBhvr>
+                                      <p:tavLst>
+                                        <p:tav tm="0">
+                                          <p:val>
+                                            <p:fltVal val="0"/>
+                                          </p:val>
+                                        </p:tav>
+                                        <p:tav tm="100000">
+                                          <p:val>
+                                            <p:strVal val="#ppt_h"/>
+                                          </p:val>
+                                        </p:tav>
+                                      </p:tavLst>
+                                    </p:anim>
+                                    <p:anim calcmode="lin" valueType="num">
+                                      <p:cBhvr>
+                                        <p:cTn id="57" dur="1000" fill="hold"/>
+                                        <p:tgtEl>
+                                          <p:spTgt spid="13"/>
+                                        </p:tgtEl>
+                                        <p:attrNameLst>
+                                          <p:attrName>style.rotation</p:attrName>
+                                        </p:attrNameLst>
+                                      </p:cBhvr>
+                                      <p:tavLst>
+                                        <p:tav tm="0">
+                                          <p:val>
+                                            <p:fltVal val="90"/>
+                                          </p:val>
+                                        </p:tav>
+                                        <p:tav tm="100000">
+                                          <p:val>
+                                            <p:fltVal val="0"/>
+                                          </p:val>
+                                        </p:tav>
+                                      </p:tavLst>
+                                    </p:anim>
+                                    <p:animEffect transition="in" filter="fade">
+                                      <p:cBhvr>
+                                        <p:cTn id="58" dur="1000"/>
+                                        <p:tgtEl>
+                                          <p:spTgt spid="13"/>
+                                        </p:tgtEl>
+                                      </p:cBhvr>
+                                    </p:animEffect>
+                                  </p:childTnLst>
+                                </p:cTn>
+                              </p:par>
+                            </p:childTnLst>
+                          </p:cTn>
+                        </p:par>
+                      </p:childTnLst>
+                    </p:cTn>
+                  </p:par>
+                </p:childTnLst>
+              </p:cTn>
+              <p:prevCondLst>
+                <p:cond evt="onPrev" delay="0">
+                  <p:tgtEl>
+                    <p:sldTgt/>
+                  </p:tgtEl>
+                </p:cond>
+              </p:prevCondLst>
+              <p:nextCondLst>
+                <p:cond evt="onNext" delay="0">
+                  <p:tgtEl>
+                    <p:sldTgt/>
+                  </p:tgtEl>
+                </p:cond>
+              </p:nextCondLst>
+            </p:seq>
+          </p:childTnLst>
+        </p:cTn>
       </p:par>
     </p:tnLst>
+    <p:bldLst>
+      <p:bldP spid="11" grpId="0" build="p"/>
+      <p:bldP spid="12" grpId="0"/>
+      <p:bldP spid="14" grpId="0"/>
+      <p:bldP spid="15" grpId="0"/>
+    </p:bldLst>
   </p:timing>
 </p:sld>
 </file>
@@ -6752,7 +10679,7 @@
           <a:bodyPr/>
           <a:lstStyle/>
           <a:p>
-            <a:endParaRPr lang="ro-RO"/>
+            <a:endParaRPr lang="ro-RO" dirty="0"/>
           </a:p>
         </p:txBody>
       </p:sp>
@@ -6810,7 +10737,7 @@
           <a:p>
             <a:r>
               <a:rPr lang="ro-RO" dirty="0" smtClean="0"/>
-              <a:t>Concluzie</a:t>
+              <a:t>Concluzii</a:t>
             </a:r>
             <a:endParaRPr lang="ro-RO" dirty="0"/>
           </a:p>
@@ -6826,12 +10753,92 @@
             <p:ph idx="1"/>
           </p:nvPr>
         </p:nvSpPr>
-        <p:spPr/>
-        <p:txBody>
-          <a:bodyPr/>
+        <p:spPr>
+          <a:xfrm>
+            <a:off x="1484310" y="2438399"/>
+            <a:ext cx="10018713" cy="3886201"/>
+          </a:xfrm>
+        </p:spPr>
+        <p:txBody>
+          <a:bodyPr>
+            <a:normAutofit/>
+          </a:bodyPr>
           <a:lstStyle/>
           <a:p>
-            <a:endParaRPr lang="ro-RO"/>
+            <a:pPr>
+              <a:spcBef>
+                <a:spcPts val="1200"/>
+              </a:spcBef>
+              <a:spcAft>
+                <a:spcPts val="1200"/>
+              </a:spcAft>
+            </a:pPr>
+            <a:r>
+              <a:rPr lang="ro-RO" dirty="0" smtClean="0"/>
+              <a:t>Număr mare de mașini =&gt; aplicațiile de acest gen sunt o necesitate</a:t>
+            </a:r>
+          </a:p>
+          <a:p>
+            <a:pPr>
+              <a:spcBef>
+                <a:spcPts val="1200"/>
+              </a:spcBef>
+              <a:spcAft>
+                <a:spcPts val="1200"/>
+              </a:spcAft>
+            </a:pPr>
+            <a:r>
+              <a:rPr lang="ro-RO" dirty="0"/>
+              <a:t>Centralizarea </a:t>
+            </a:r>
+            <a:r>
+              <a:rPr lang="ro-RO" dirty="0" smtClean="0"/>
+              <a:t>service-urilor</a:t>
+            </a:r>
+            <a:endParaRPr lang="ro-RO" dirty="0" smtClean="0"/>
+          </a:p>
+          <a:p>
+            <a:pPr>
+              <a:spcBef>
+                <a:spcPts val="1200"/>
+              </a:spcBef>
+              <a:spcAft>
+                <a:spcPts val="1200"/>
+              </a:spcAft>
+            </a:pPr>
+            <a:r>
+              <a:rPr lang="ro-RO" dirty="0" smtClean="0"/>
+              <a:t>Evitarea service-urilor cu servicii de proastă calitate</a:t>
+            </a:r>
+          </a:p>
+          <a:p>
+            <a:pPr>
+              <a:spcBef>
+                <a:spcPts val="1200"/>
+              </a:spcBef>
+              <a:spcAft>
+                <a:spcPts val="1200"/>
+              </a:spcAft>
+            </a:pPr>
+            <a:r>
+              <a:rPr lang="ro-RO" dirty="0" smtClean="0"/>
+              <a:t>Simplitatea de a face o programare sau de a cere o ofertă</a:t>
+            </a:r>
+          </a:p>
+          <a:p>
+            <a:pPr>
+              <a:spcBef>
+                <a:spcPts val="1200"/>
+              </a:spcBef>
+              <a:spcAft>
+                <a:spcPts val="1200"/>
+              </a:spcAft>
+            </a:pPr>
+            <a:r>
+              <a:rPr lang="ro-RO" dirty="0" smtClean="0"/>
+              <a:t>Aplicația are potențial să ajute foarte mulți șoferi</a:t>
+            </a:r>
+            <a:endParaRPr lang="ro-RO" dirty="0" smtClean="0"/>
           </a:p>
         </p:txBody>
       </p:sp>
@@ -7188,4 +11195,265 @@
     </a:ext>
   </a:extLst>
 </a:theme>
+</file>
+
+<file path=ppt/theme/theme2.xml><?xml version="1.0" encoding="utf-8"?>
+<a:theme xmlns:a="http://schemas.openxmlformats.org/drawingml/2006/main" name="Office Theme">
+  <a:themeElements>
+    <a:clrScheme name="Office">
+      <a:dk1>
+        <a:sysClr val="windowText" lastClr="000000"/>
+      </a:dk1>
+      <a:lt1>
+        <a:sysClr val="window" lastClr="FFFFFF"/>
+      </a:lt1>
+      <a:dk2>
+        <a:srgbClr val="44546A"/>
+      </a:dk2>
+      <a:lt2>
+        <a:srgbClr val="E7E6E6"/>
+      </a:lt2>
+      <a:accent1>
+        <a:srgbClr val="5B9BD5"/>
+      </a:accent1>
+      <a:accent2>
+        <a:srgbClr val="ED7D31"/>
+      </a:accent2>
+      <a:accent3>
+        <a:srgbClr val="A5A5A5"/>
+      </a:accent3>
+      <a:accent4>
+        <a:srgbClr val="FFC000"/>
+      </a:accent4>
+      <a:accent5>
+        <a:srgbClr val="4472C4"/>
+      </a:accent5>
+      <a:accent6>
+        <a:srgbClr val="70AD47"/>
+      </a:accent6>
+      <a:hlink>
+        <a:srgbClr val="0563C1"/>
+      </a:hlink>
+      <a:folHlink>
+        <a:srgbClr val="954F72"/>
+      </a:folHlink>
+    </a:clrScheme>
+    <a:fontScheme name="Office">
+      <a:majorFont>
+        <a:latin typeface="Calibri Light" panose="020F0302020204030204"/>
+        <a:ea typeface=""/>
+        <a:cs typeface=""/>
+        <a:font script="Jpan" typeface="游ゴシック Light"/>
+        <a:font script="Hang" typeface="맑은 고딕"/>
+        <a:font script="Hans" typeface="等线 Light"/>
+        <a:font script="Hant" typeface="新細明體"/>
+        <a:font script="Arab" typeface="Times New Roman"/>
+        <a:font script="Hebr" typeface="Times New Roman"/>
+        <a:font script="Thai" typeface="Angsana New"/>
+        <a:font script="Ethi" typeface="Nyala"/>
+        <a:font script="Beng" typeface="Vrinda"/>
+        <a:font script="Gujr" typeface="Shruti"/>
+        <a:font script="Khmr" typeface="MoolBoran"/>
+        <a:font script="Knda" typeface="Tunga"/>
+        <a:font script="Guru" typeface="Raavi"/>
+        <a:font script="Cans" typeface="Euphemia"/>
+        <a:font script="Cher" typeface="Plantagenet Cherokee"/>
+        <a:font script="Yiii" typeface="Microsoft Yi Baiti"/>
+        <a:font script="Tibt" typeface="Microsoft Himalaya"/>
+        <a:font script="Thaa" typeface="MV Boli"/>
+        <a:font script="Deva" typeface="Mangal"/>
+        <a:font script="Telu" typeface="Gautami"/>
+        <a:font script="Taml" typeface="Latha"/>
+        <a:font script="Syrc" typeface="Estrangelo Edessa"/>
+        <a:font script="Orya" typeface="Kalinga"/>
+        <a:font script="Mlym" typeface="Kartika"/>
+        <a:font script="Laoo" typeface="DokChampa"/>
+        <a:font script="Sinh" typeface="Iskoola Pota"/>
+        <a:font script="Mong" typeface="Mongolian Baiti"/>
+        <a:font script="Viet" typeface="Times New Roman"/>
+        <a:font script="Uigh" typeface="Microsoft Uighur"/>
+        <a:font script="Geor" typeface="Sylfaen"/>
+      </a:majorFont>
+      <a:minorFont>
+        <a:latin typeface="Calibri" panose="020F0502020204030204"/>
+        <a:ea typeface=""/>
+        <a:cs typeface=""/>
+        <a:font script="Jpan" typeface="游ゴシック"/>
+        <a:font script="Hang" typeface="맑은 고딕"/>
+        <a:font script="Hans" typeface="等线"/>
+        <a:font script="Hant" typeface="新細明體"/>
+        <a:font script="Arab" typeface="Arial"/>
+        <a:font script="Hebr" typeface="Arial"/>
+        <a:font script="Thai" typeface="Cordia New"/>
+        <a:font script="Ethi" typeface="Nyala"/>
+        <a:font script="Beng" typeface="Vrinda"/>
+        <a:font script="Gujr" typeface="Shruti"/>
+        <a:font script="Khmr" typeface="DaunPenh"/>
+        <a:font script="Knda" typeface="Tunga"/>
+        <a:font script="Guru" typeface="Raavi"/>
+        <a:font script="Cans" typeface="Euphemia"/>
+        <a:font script="Cher" typeface="Plantagenet Cherokee"/>
+        <a:font script="Yiii" typeface="Microsoft Yi Baiti"/>
+        <a:font script="Tibt" typeface="Microsoft Himalaya"/>
+        <a:font script="Thaa" typeface="MV Boli"/>
+        <a:font script="Deva" typeface="Mangal"/>
+        <a:font script="Telu" typeface="Gautami"/>
+        <a:font script="Taml" typeface="Latha"/>
+        <a:font script="Syrc" typeface="Estrangelo Edessa"/>
+        <a:font script="Orya" typeface="Kalinga"/>
+        <a:font script="Mlym" typeface="Kartika"/>
+        <a:font script="Laoo" typeface="DokChampa"/>
+        <a:font script="Sinh" typeface="Iskoola Pota"/>
+        <a:font script="Mong" typeface="Mongolian Baiti"/>
+        <a:font script="Viet" typeface="Arial"/>
+        <a:font script="Uigh" typeface="Microsoft Uighur"/>
+        <a:font script="Geor" typeface="Sylfaen"/>
+      </a:minorFont>
+    </a:fontScheme>
+    <a:fmtScheme name="Office">
+      <a:fillStyleLst>
+        <a:solidFill>
+          <a:schemeClr val="phClr"/>
+        </a:solidFill>
+        <a:gradFill rotWithShape="1">
+          <a:gsLst>
+            <a:gs pos="0">
+              <a:schemeClr val="phClr">
+                <a:lumMod val="110000"/>
+                <a:satMod val="105000"/>
+                <a:tint val="67000"/>
+              </a:schemeClr>
+            </a:gs>
+            <a:gs pos="50000">
+              <a:schemeClr val="phClr">
+                <a:lumMod val="105000"/>
+                <a:satMod val="103000"/>
+                <a:tint val="73000"/>
+              </a:schemeClr>
+            </a:gs>
+            <a:gs pos="100000">
+              <a:schemeClr val="phClr">
+                <a:lumMod val="105000"/>
+                <a:satMod val="109000"/>
+                <a:tint val="81000"/>
+              </a:schemeClr>
+            </a:gs>
+          </a:gsLst>
+          <a:lin ang="5400000" scaled="0"/>
+        </a:gradFill>
+        <a:gradFill rotWithShape="1">
+          <a:gsLst>
+            <a:gs pos="0">
+              <a:schemeClr val="phClr">
+                <a:satMod val="103000"/>
+                <a:lumMod val="102000"/>
+                <a:tint val="94000"/>
+              </a:schemeClr>
+            </a:gs>
+            <a:gs pos="50000">
+              <a:schemeClr val="phClr">
+                <a:satMod val="110000"/>
+                <a:lumMod val="100000"/>
+                <a:shade val="100000"/>
+              </a:schemeClr>
+            </a:gs>
+            <a:gs pos="100000">
+              <a:schemeClr val="phClr">
+                <a:lumMod val="99000"/>
+                <a:satMod val="120000"/>
+                <a:shade val="78000"/>
+              </a:schemeClr>
+            </a:gs>
+          </a:gsLst>
+          <a:lin ang="5400000" scaled="0"/>
+        </a:gradFill>
+      </a:fillStyleLst>
+      <a:lnStyleLst>
+        <a:ln w="6350" cap="flat" cmpd="sng" algn="ctr">
+          <a:solidFill>
+            <a:schemeClr val="phClr"/>
+          </a:solidFill>
+          <a:prstDash val="solid"/>
+          <a:miter lim="800000"/>
+        </a:ln>
+        <a:ln w="12700" cap="flat" cmpd="sng" algn="ctr">
+          <a:solidFill>
+            <a:schemeClr val="phClr"/>
+          </a:solidFill>
+          <a:prstDash val="solid"/>
+          <a:miter lim="800000"/>
+        </a:ln>
+        <a:ln w="19050" cap="flat" cmpd="sng" algn="ctr">
+          <a:solidFill>
+            <a:schemeClr val="phClr"/>
+          </a:solidFill>
+          <a:prstDash val="solid"/>
+          <a:miter lim="800000"/>
+        </a:ln>
+      </a:lnStyleLst>
+      <a:effectStyleLst>
+        <a:effectStyle>
+          <a:effectLst/>
+        </a:effectStyle>
+        <a:effectStyle>
+          <a:effectLst/>
+        </a:effectStyle>
+        <a:effectStyle>
+          <a:effectLst>
+            <a:outerShdw blurRad="57150" dist="19050" dir="5400000" algn="ctr" rotWithShape="0">
+              <a:srgbClr val="000000">
+                <a:alpha val="63000"/>
+              </a:srgbClr>
+            </a:outerShdw>
+          </a:effectLst>
+        </a:effectStyle>
+      </a:effectStyleLst>
+      <a:bgFillStyleLst>
+        <a:solidFill>
+          <a:schemeClr val="phClr"/>
+        </a:solidFill>
+        <a:solidFill>
+          <a:schemeClr val="phClr">
+            <a:tint val="95000"/>
+            <a:satMod val="170000"/>
+          </a:schemeClr>
+        </a:solidFill>
+        <a:gradFill rotWithShape="1">
+          <a:gsLst>
+            <a:gs pos="0">
+              <a:schemeClr val="phClr">
+                <a:tint val="93000"/>
+                <a:satMod val="150000"/>
+                <a:shade val="98000"/>
+                <a:lumMod val="102000"/>
+              </a:schemeClr>
+            </a:gs>
+            <a:gs pos="50000">
+              <a:schemeClr val="phClr">
+                <a:tint val="98000"/>
+                <a:satMod val="130000"/>
+                <a:shade val="90000"/>
+                <a:lumMod val="103000"/>
+              </a:schemeClr>
+            </a:gs>
+            <a:gs pos="100000">
+              <a:schemeClr val="phClr">
+                <a:shade val="63000"/>
+                <a:satMod val="120000"/>
+              </a:schemeClr>
+            </a:gs>
+          </a:gsLst>
+          <a:lin ang="5400000" scaled="0"/>
+        </a:gradFill>
+      </a:bgFillStyleLst>
+    </a:fmtScheme>
+  </a:themeElements>
+  <a:objectDefaults/>
+  <a:extraClrSchemeLst/>
+  <a:extLst>
+    <a:ext uri="{05A4C25C-085E-4340-85A3-A5531E510DB2}">
+      <thm15:themeFamily xmlns:thm15="http://schemas.microsoft.com/office/thememl/2012/main" name="Office Theme" id="{62F939B6-93AF-4DB8-9C6B-D6C7DFDC589F}" vid="{4A3C46E8-61CC-4603-A589-7422A47A8E4A}"/>
+    </a:ext>
+  </a:extLst>
+</a:theme>
 </file>